--- a/covid proposal/family_tree.pptx
+++ b/covid proposal/family_tree.pptx
@@ -5,10 +5,9 @@
     <p:sldMasterId id="2147483648" r:id="rId1"/>
   </p:sldMasterIdLst>
   <p:sldIdLst>
-    <p:sldId id="256" r:id="rId2"/>
-    <p:sldId id="257" r:id="rId3"/>
-    <p:sldId id="258" r:id="rId4"/>
-    <p:sldId id="259" r:id="rId5"/>
+    <p:sldId id="257" r:id="rId2"/>
+    <p:sldId id="260" r:id="rId3"/>
+    <p:sldId id="259" r:id="rId4"/>
   </p:sldIdLst>
   <p:sldSz cx="6858000" cy="9144000" type="letter"/>
   <p:notesSz cx="6858000" cy="9144000"/>
@@ -291,7 +290,7 @@
           <a:p>
             <a:fld id="{EDC5A5AF-D9E8-4DD6-999F-A60663D43858}" type="datetimeFigureOut">
               <a:rPr lang="da-DK" smtClean="0"/>
-              <a:t>18-05-2020</a:t>
+              <a:t>21-05-2020</a:t>
             </a:fld>
             <a:endParaRPr lang="da-DK"/>
           </a:p>
@@ -456,7 +455,7 @@
           <a:p>
             <a:fld id="{EDC5A5AF-D9E8-4DD6-999F-A60663D43858}" type="datetimeFigureOut">
               <a:rPr lang="da-DK" smtClean="0"/>
-              <a:t>18-05-2020</a:t>
+              <a:t>21-05-2020</a:t>
             </a:fld>
             <a:endParaRPr lang="da-DK"/>
           </a:p>
@@ -631,7 +630,7 @@
           <a:p>
             <a:fld id="{EDC5A5AF-D9E8-4DD6-999F-A60663D43858}" type="datetimeFigureOut">
               <a:rPr lang="da-DK" smtClean="0"/>
-              <a:t>18-05-2020</a:t>
+              <a:t>21-05-2020</a:t>
             </a:fld>
             <a:endParaRPr lang="da-DK"/>
           </a:p>
@@ -796,7 +795,7 @@
           <a:p>
             <a:fld id="{EDC5A5AF-D9E8-4DD6-999F-A60663D43858}" type="datetimeFigureOut">
               <a:rPr lang="da-DK" smtClean="0"/>
-              <a:t>18-05-2020</a:t>
+              <a:t>21-05-2020</a:t>
             </a:fld>
             <a:endParaRPr lang="da-DK"/>
           </a:p>
@@ -1037,7 +1036,7 @@
           <a:p>
             <a:fld id="{EDC5A5AF-D9E8-4DD6-999F-A60663D43858}" type="datetimeFigureOut">
               <a:rPr lang="da-DK" smtClean="0"/>
-              <a:t>18-05-2020</a:t>
+              <a:t>21-05-2020</a:t>
             </a:fld>
             <a:endParaRPr lang="da-DK"/>
           </a:p>
@@ -1320,7 +1319,7 @@
           <a:p>
             <a:fld id="{EDC5A5AF-D9E8-4DD6-999F-A60663D43858}" type="datetimeFigureOut">
               <a:rPr lang="da-DK" smtClean="0"/>
-              <a:t>18-05-2020</a:t>
+              <a:t>21-05-2020</a:t>
             </a:fld>
             <a:endParaRPr lang="da-DK"/>
           </a:p>
@@ -1737,7 +1736,7 @@
           <a:p>
             <a:fld id="{EDC5A5AF-D9E8-4DD6-999F-A60663D43858}" type="datetimeFigureOut">
               <a:rPr lang="da-DK" smtClean="0"/>
-              <a:t>18-05-2020</a:t>
+              <a:t>21-05-2020</a:t>
             </a:fld>
             <a:endParaRPr lang="da-DK"/>
           </a:p>
@@ -1850,7 +1849,7 @@
           <a:p>
             <a:fld id="{EDC5A5AF-D9E8-4DD6-999F-A60663D43858}" type="datetimeFigureOut">
               <a:rPr lang="da-DK" smtClean="0"/>
-              <a:t>18-05-2020</a:t>
+              <a:t>21-05-2020</a:t>
             </a:fld>
             <a:endParaRPr lang="da-DK"/>
           </a:p>
@@ -1940,7 +1939,7 @@
           <a:p>
             <a:fld id="{EDC5A5AF-D9E8-4DD6-999F-A60663D43858}" type="datetimeFigureOut">
               <a:rPr lang="da-DK" smtClean="0"/>
-              <a:t>18-05-2020</a:t>
+              <a:t>21-05-2020</a:t>
             </a:fld>
             <a:endParaRPr lang="da-DK"/>
           </a:p>
@@ -2212,7 +2211,7 @@
           <a:p>
             <a:fld id="{EDC5A5AF-D9E8-4DD6-999F-A60663D43858}" type="datetimeFigureOut">
               <a:rPr lang="da-DK" smtClean="0"/>
-              <a:t>18-05-2020</a:t>
+              <a:t>21-05-2020</a:t>
             </a:fld>
             <a:endParaRPr lang="da-DK"/>
           </a:p>
@@ -2460,7 +2459,7 @@
           <a:p>
             <a:fld id="{EDC5A5AF-D9E8-4DD6-999F-A60663D43858}" type="datetimeFigureOut">
               <a:rPr lang="da-DK" smtClean="0"/>
-              <a:t>18-05-2020</a:t>
+              <a:t>21-05-2020</a:t>
             </a:fld>
             <a:endParaRPr lang="da-DK"/>
           </a:p>
@@ -2668,7 +2667,7 @@
           <a:p>
             <a:fld id="{EDC5A5AF-D9E8-4DD6-999F-A60663D43858}" type="datetimeFigureOut">
               <a:rPr lang="da-DK" smtClean="0"/>
-              <a:t>18-05-2020</a:t>
+              <a:t>21-05-2020</a:t>
             </a:fld>
             <a:endParaRPr lang="da-DK"/>
           </a:p>
@@ -3038,950 +3037,1521 @@
           <a:chExt cx="0" cy="0"/>
         </a:xfrm>
       </p:grpSpPr>
-      <p:sp>
-        <p:nvSpPr>
-          <p:cNvPr id="14" name="Oval 13"/>
-          <p:cNvSpPr/>
+      <p:grpSp>
+        <p:nvGrpSpPr>
+          <p:cNvPr id="52" name="Group 51"/>
+          <p:cNvGrpSpPr/>
           <p:nvPr/>
-        </p:nvSpPr>
-        <p:spPr>
+        </p:nvGrpSpPr>
+        <p:grpSpPr>
           <a:xfrm>
-            <a:off x="2766680" y="4850740"/>
-            <a:ext cx="1008112" cy="936104"/>
+            <a:off x="-42572" y="1259632"/>
+            <a:ext cx="6840543" cy="6660449"/>
+            <a:chOff x="-42572" y="1259632"/>
+            <a:chExt cx="6840543" cy="6660449"/>
           </a:xfrm>
-          <a:prstGeom prst="ellipse">
-            <a:avLst/>
-          </a:prstGeom>
-          <a:noFill/>
-          <a:ln>
-            <a:solidFill>
+        </p:grpSpPr>
+        <p:sp>
+          <p:nvSpPr>
+            <p:cNvPr id="14" name="Oval 13"/>
+            <p:cNvSpPr/>
+            <p:nvPr/>
+          </p:nvSpPr>
+          <p:spPr>
+            <a:xfrm>
+              <a:off x="2766680" y="4850740"/>
+              <a:ext cx="1008112" cy="936104"/>
+            </a:xfrm>
+            <a:prstGeom prst="ellipse">
+              <a:avLst/>
+            </a:prstGeom>
+            <a:noFill/>
+            <a:ln>
+              <a:solidFill>
+                <a:schemeClr val="tx1"/>
+              </a:solidFill>
+            </a:ln>
+          </p:spPr>
+          <p:style>
+            <a:lnRef idx="2">
+              <a:schemeClr val="accent1">
+                <a:shade val="50000"/>
+              </a:schemeClr>
+            </a:lnRef>
+            <a:fillRef idx="1">
+              <a:schemeClr val="accent1"/>
+            </a:fillRef>
+            <a:effectRef idx="0">
+              <a:schemeClr val="accent1"/>
+            </a:effectRef>
+            <a:fontRef idx="minor">
+              <a:schemeClr val="lt1"/>
+            </a:fontRef>
+          </p:style>
+          <p:txBody>
+            <a:bodyPr rtlCol="0" anchor="ctr"/>
+            <a:lstStyle/>
+            <a:p>
+              <a:pPr algn="ctr"/>
+              <a:r>
+                <a:rPr lang="en-US" sz="2800" b="1" dirty="0">
+                  <a:solidFill>
+                    <a:schemeClr val="tx1"/>
+                  </a:solidFill>
+                </a:rPr>
+                <a:t>1</a:t>
+              </a:r>
+            </a:p>
+          </p:txBody>
+        </p:sp>
+        <p:sp>
+          <p:nvSpPr>
+            <p:cNvPr id="15" name="TextBox 14"/>
+            <p:cNvSpPr txBox="1"/>
+            <p:nvPr/>
+          </p:nvSpPr>
+          <p:spPr>
+            <a:xfrm>
+              <a:off x="3007683" y="5786844"/>
+              <a:ext cx="605102" cy="430887"/>
+            </a:xfrm>
+            <a:prstGeom prst="rect">
+              <a:avLst/>
+            </a:prstGeom>
+            <a:noFill/>
+          </p:spPr>
+          <p:txBody>
+            <a:bodyPr wrap="none" rtlCol="0">
+              <a:spAutoFit/>
+            </a:bodyPr>
+            <a:lstStyle/>
+            <a:p>
+              <a:r>
+                <a:rPr lang="en-US" sz="2200" b="1" dirty="0" smtClean="0"/>
+                <a:t>Ego</a:t>
+              </a:r>
+              <a:endParaRPr lang="en-US" sz="2200" b="1" dirty="0"/>
+            </a:p>
+          </p:txBody>
+        </p:sp>
+        <p:sp>
+          <p:nvSpPr>
+            <p:cNvPr id="16" name="Oval 15"/>
+            <p:cNvSpPr/>
+            <p:nvPr/>
+          </p:nvSpPr>
+          <p:spPr>
+            <a:xfrm>
+              <a:off x="2812980" y="6506924"/>
+              <a:ext cx="1008112" cy="936104"/>
+            </a:xfrm>
+            <a:prstGeom prst="ellipse">
+              <a:avLst/>
+            </a:prstGeom>
+            <a:noFill/>
+            <a:ln>
+              <a:solidFill>
+                <a:schemeClr val="tx1"/>
+              </a:solidFill>
+            </a:ln>
+          </p:spPr>
+          <p:style>
+            <a:lnRef idx="2">
+              <a:schemeClr val="accent1">
+                <a:shade val="50000"/>
+              </a:schemeClr>
+            </a:lnRef>
+            <a:fillRef idx="1">
+              <a:schemeClr val="accent1"/>
+            </a:fillRef>
+            <a:effectRef idx="0">
+              <a:schemeClr val="accent1"/>
+            </a:effectRef>
+            <a:fontRef idx="minor">
+              <a:schemeClr val="lt1"/>
+            </a:fontRef>
+          </p:style>
+          <p:txBody>
+            <a:bodyPr rtlCol="0" anchor="ctr"/>
+            <a:lstStyle/>
+            <a:p>
+              <a:pPr algn="ctr"/>
+              <a:r>
+                <a:rPr lang="en-US" sz="2800" dirty="0" smtClean="0">
+                  <a:solidFill>
+                    <a:schemeClr val="tx1"/>
+                  </a:solidFill>
+                </a:rPr>
+                <a:t>0.3</a:t>
+              </a:r>
+            </a:p>
+          </p:txBody>
+        </p:sp>
+        <p:sp>
+          <p:nvSpPr>
+            <p:cNvPr id="17" name="TextBox 16"/>
+            <p:cNvSpPr txBox="1"/>
+            <p:nvPr/>
+          </p:nvSpPr>
+          <p:spPr>
+            <a:xfrm>
+              <a:off x="2776845" y="7443028"/>
+              <a:ext cx="1141146" cy="430887"/>
+            </a:xfrm>
+            <a:prstGeom prst="rect">
+              <a:avLst/>
+            </a:prstGeom>
+            <a:noFill/>
+          </p:spPr>
+          <p:txBody>
+            <a:bodyPr wrap="none" rtlCol="0">
+              <a:spAutoFit/>
+            </a:bodyPr>
+            <a:lstStyle/>
+            <a:p>
+              <a:r>
+                <a:rPr lang="en-US" sz="2200" dirty="0" smtClean="0"/>
+                <a:t>Children</a:t>
+              </a:r>
+              <a:endParaRPr lang="en-US" sz="2200" dirty="0"/>
+            </a:p>
+          </p:txBody>
+        </p:sp>
+        <p:sp>
+          <p:nvSpPr>
+            <p:cNvPr id="20" name="Oval 19"/>
+            <p:cNvSpPr/>
+            <p:nvPr/>
+          </p:nvSpPr>
+          <p:spPr>
+            <a:xfrm>
+              <a:off x="2752547" y="1259632"/>
+              <a:ext cx="1008112" cy="936104"/>
+            </a:xfrm>
+            <a:prstGeom prst="ellipse">
+              <a:avLst/>
+            </a:prstGeom>
+            <a:noFill/>
+            <a:ln>
+              <a:solidFill>
+                <a:schemeClr val="tx1"/>
+              </a:solidFill>
+            </a:ln>
+          </p:spPr>
+          <p:style>
+            <a:lnRef idx="2">
+              <a:schemeClr val="accent1">
+                <a:shade val="50000"/>
+              </a:schemeClr>
+            </a:lnRef>
+            <a:fillRef idx="1">
+              <a:schemeClr val="accent1"/>
+            </a:fillRef>
+            <a:effectRef idx="0">
+              <a:schemeClr val="accent1"/>
+            </a:effectRef>
+            <a:fontRef idx="minor">
+              <a:schemeClr val="lt1"/>
+            </a:fontRef>
+          </p:style>
+          <p:txBody>
+            <a:bodyPr rtlCol="0" anchor="ctr"/>
+            <a:lstStyle/>
+            <a:p>
+              <a:pPr algn="ctr"/>
+              <a:r>
+                <a:rPr lang="en-US" sz="2800" dirty="0" smtClean="0">
+                  <a:solidFill>
+                    <a:schemeClr val="tx1"/>
+                  </a:solidFill>
+                </a:rPr>
+                <a:t>1.2</a:t>
+              </a:r>
+              <a:endParaRPr lang="en-US" sz="2800" dirty="0">
+                <a:solidFill>
+                  <a:schemeClr val="tx1"/>
+                </a:solidFill>
+              </a:endParaRPr>
+            </a:p>
+          </p:txBody>
+        </p:sp>
+        <p:sp>
+          <p:nvSpPr>
+            <p:cNvPr id="21" name="TextBox 20"/>
+            <p:cNvSpPr txBox="1"/>
+            <p:nvPr/>
+          </p:nvSpPr>
+          <p:spPr>
+            <a:xfrm>
+              <a:off x="2746203" y="2123728"/>
+              <a:ext cx="1051955" cy="769441"/>
+            </a:xfrm>
+            <a:prstGeom prst="rect">
+              <a:avLst/>
+            </a:prstGeom>
+            <a:noFill/>
+          </p:spPr>
+          <p:txBody>
+            <a:bodyPr wrap="none" rtlCol="0">
+              <a:spAutoFit/>
+            </a:bodyPr>
+            <a:lstStyle/>
+            <a:p>
+              <a:r>
+                <a:rPr lang="en-US" sz="2200" dirty="0" smtClean="0"/>
+                <a:t>Grand-</a:t>
+              </a:r>
+            </a:p>
+            <a:p>
+              <a:r>
+                <a:rPr lang="en-US" sz="2200" dirty="0" smtClean="0"/>
+                <a:t>parents</a:t>
+              </a:r>
+              <a:endParaRPr lang="en-US" sz="2200" dirty="0"/>
+            </a:p>
+          </p:txBody>
+        </p:sp>
+        <p:sp>
+          <p:nvSpPr>
+            <p:cNvPr id="22" name="Oval 21"/>
+            <p:cNvSpPr/>
+            <p:nvPr/>
+          </p:nvSpPr>
+          <p:spPr>
+            <a:xfrm>
+              <a:off x="2766680" y="3050540"/>
+              <a:ext cx="1008112" cy="936104"/>
+            </a:xfrm>
+            <a:prstGeom prst="ellipse">
+              <a:avLst/>
+            </a:prstGeom>
+            <a:noFill/>
+            <a:ln>
+              <a:solidFill>
+                <a:schemeClr val="tx1"/>
+              </a:solidFill>
+            </a:ln>
+          </p:spPr>
+          <p:style>
+            <a:lnRef idx="2">
+              <a:schemeClr val="accent1">
+                <a:shade val="50000"/>
+              </a:schemeClr>
+            </a:lnRef>
+            <a:fillRef idx="1">
+              <a:schemeClr val="accent1"/>
+            </a:fillRef>
+            <a:effectRef idx="0">
+              <a:schemeClr val="accent1"/>
+            </a:effectRef>
+            <a:fontRef idx="minor">
+              <a:schemeClr val="lt1"/>
+            </a:fontRef>
+          </p:style>
+          <p:txBody>
+            <a:bodyPr rtlCol="0" anchor="ctr"/>
+            <a:lstStyle/>
+            <a:p>
+              <a:pPr algn="ctr"/>
+              <a:r>
+                <a:rPr lang="en-US" sz="2800" dirty="0" smtClean="0">
+                  <a:solidFill>
+                    <a:schemeClr val="tx1"/>
+                  </a:solidFill>
+                </a:rPr>
+                <a:t>1.6</a:t>
+              </a:r>
+              <a:endParaRPr lang="en-US" sz="2800" dirty="0">
+                <a:solidFill>
+                  <a:schemeClr val="tx1"/>
+                </a:solidFill>
+              </a:endParaRPr>
+            </a:p>
+          </p:txBody>
+        </p:sp>
+        <p:sp>
+          <p:nvSpPr>
+            <p:cNvPr id="23" name="TextBox 22"/>
+            <p:cNvSpPr txBox="1"/>
+            <p:nvPr/>
+          </p:nvSpPr>
+          <p:spPr>
+            <a:xfrm>
+              <a:off x="2750704" y="3986644"/>
+              <a:ext cx="1044260" cy="430887"/>
+            </a:xfrm>
+            <a:prstGeom prst="rect">
+              <a:avLst/>
+            </a:prstGeom>
+            <a:noFill/>
+          </p:spPr>
+          <p:txBody>
+            <a:bodyPr wrap="none" rtlCol="0">
+              <a:spAutoFit/>
+            </a:bodyPr>
+            <a:lstStyle/>
+            <a:p>
+              <a:r>
+                <a:rPr lang="en-US" sz="2200" dirty="0" smtClean="0"/>
+                <a:t>Parents</a:t>
+              </a:r>
+              <a:endParaRPr lang="en-US" sz="2200" dirty="0"/>
+            </a:p>
+          </p:txBody>
+        </p:sp>
+        <p:sp>
+          <p:nvSpPr>
+            <p:cNvPr id="26" name="Oval 25"/>
+            <p:cNvSpPr/>
+            <p:nvPr/>
+          </p:nvSpPr>
+          <p:spPr>
+            <a:xfrm>
+              <a:off x="1412776" y="3050540"/>
+              <a:ext cx="1008112" cy="936104"/>
+            </a:xfrm>
+            <a:prstGeom prst="ellipse">
+              <a:avLst/>
+            </a:prstGeom>
+            <a:noFill/>
+            <a:ln>
+              <a:solidFill>
+                <a:schemeClr val="tx1"/>
+              </a:solidFill>
+            </a:ln>
+          </p:spPr>
+          <p:style>
+            <a:lnRef idx="2">
+              <a:schemeClr val="accent1">
+                <a:shade val="50000"/>
+              </a:schemeClr>
+            </a:lnRef>
+            <a:fillRef idx="1">
+              <a:schemeClr val="accent1"/>
+            </a:fillRef>
+            <a:effectRef idx="0">
+              <a:schemeClr val="accent1"/>
+            </a:effectRef>
+            <a:fontRef idx="minor">
+              <a:schemeClr val="lt1"/>
+            </a:fontRef>
+          </p:style>
+          <p:txBody>
+            <a:bodyPr rtlCol="0" anchor="ctr"/>
+            <a:lstStyle/>
+            <a:p>
+              <a:pPr algn="ctr"/>
+              <a:r>
+                <a:rPr lang="en-US" sz="2800" dirty="0" smtClean="0">
+                  <a:solidFill>
+                    <a:schemeClr val="tx1"/>
+                  </a:solidFill>
+                </a:rPr>
+                <a:t>1.3</a:t>
+              </a:r>
+              <a:endParaRPr lang="en-US" sz="2800" dirty="0">
+                <a:solidFill>
+                  <a:schemeClr val="tx1"/>
+                </a:solidFill>
+              </a:endParaRPr>
+            </a:p>
+          </p:txBody>
+        </p:sp>
+        <p:sp>
+          <p:nvSpPr>
+            <p:cNvPr id="27" name="TextBox 26"/>
+            <p:cNvSpPr txBox="1"/>
+            <p:nvPr/>
+          </p:nvSpPr>
+          <p:spPr>
+            <a:xfrm>
+              <a:off x="1453695" y="4047077"/>
+              <a:ext cx="914033" cy="769441"/>
+            </a:xfrm>
+            <a:prstGeom prst="rect">
+              <a:avLst/>
+            </a:prstGeom>
+            <a:noFill/>
+          </p:spPr>
+          <p:txBody>
+            <a:bodyPr wrap="none" rtlCol="0">
+              <a:spAutoFit/>
+            </a:bodyPr>
+            <a:lstStyle/>
+            <a:p>
+              <a:pPr algn="ctr"/>
+              <a:r>
+                <a:rPr lang="en-US" sz="2200" dirty="0" smtClean="0"/>
+                <a:t>Older </a:t>
+              </a:r>
+            </a:p>
+            <a:p>
+              <a:pPr algn="ctr"/>
+              <a:r>
+                <a:rPr lang="en-US" sz="2200" dirty="0" smtClean="0"/>
+                <a:t>uncles</a:t>
+              </a:r>
+              <a:endParaRPr lang="en-US" sz="2200" dirty="0"/>
+            </a:p>
+          </p:txBody>
+        </p:sp>
+        <p:sp>
+          <p:nvSpPr>
+            <p:cNvPr id="28" name="Oval 27"/>
+            <p:cNvSpPr/>
+            <p:nvPr/>
+          </p:nvSpPr>
+          <p:spPr>
+            <a:xfrm>
+              <a:off x="4226943" y="3050540"/>
+              <a:ext cx="1008112" cy="936104"/>
+            </a:xfrm>
+            <a:prstGeom prst="ellipse">
+              <a:avLst/>
+            </a:prstGeom>
+            <a:noFill/>
+            <a:ln>
+              <a:solidFill>
+                <a:schemeClr val="tx1"/>
+              </a:solidFill>
+            </a:ln>
+          </p:spPr>
+          <p:style>
+            <a:lnRef idx="2">
+              <a:schemeClr val="accent1">
+                <a:shade val="50000"/>
+              </a:schemeClr>
+            </a:lnRef>
+            <a:fillRef idx="1">
+              <a:schemeClr val="accent1"/>
+            </a:fillRef>
+            <a:effectRef idx="0">
+              <a:schemeClr val="accent1"/>
+            </a:effectRef>
+            <a:fontRef idx="minor">
+              <a:schemeClr val="lt1"/>
+            </a:fontRef>
+          </p:style>
+          <p:txBody>
+            <a:bodyPr rtlCol="0" anchor="ctr"/>
+            <a:lstStyle/>
+            <a:p>
+              <a:pPr algn="ctr"/>
+              <a:r>
+                <a:rPr lang="en-US" sz="2800" dirty="0" smtClean="0">
+                  <a:solidFill>
+                    <a:schemeClr val="tx1"/>
+                  </a:solidFill>
+                </a:rPr>
+                <a:t>1.5</a:t>
+              </a:r>
+              <a:endParaRPr lang="en-US" sz="2800" dirty="0">
+                <a:solidFill>
+                  <a:schemeClr val="tx1"/>
+                </a:solidFill>
+              </a:endParaRPr>
+            </a:p>
+          </p:txBody>
+        </p:sp>
+        <p:sp>
+          <p:nvSpPr>
+            <p:cNvPr id="30" name="Oval 29"/>
+            <p:cNvSpPr/>
+            <p:nvPr/>
+          </p:nvSpPr>
+          <p:spPr>
+            <a:xfrm>
+              <a:off x="1298649" y="4845899"/>
+              <a:ext cx="1008112" cy="936104"/>
+            </a:xfrm>
+            <a:prstGeom prst="ellipse">
+              <a:avLst/>
+            </a:prstGeom>
+            <a:noFill/>
+            <a:ln>
+              <a:solidFill>
+                <a:schemeClr val="tx1"/>
+              </a:solidFill>
+            </a:ln>
+          </p:spPr>
+          <p:style>
+            <a:lnRef idx="2">
+              <a:schemeClr val="accent1">
+                <a:shade val="50000"/>
+              </a:schemeClr>
+            </a:lnRef>
+            <a:fillRef idx="1">
+              <a:schemeClr val="accent1"/>
+            </a:fillRef>
+            <a:effectRef idx="0">
+              <a:schemeClr val="accent1"/>
+            </a:effectRef>
+            <a:fontRef idx="minor">
+              <a:schemeClr val="lt1"/>
+            </a:fontRef>
+          </p:style>
+          <p:txBody>
+            <a:bodyPr rtlCol="0" anchor="ctr"/>
+            <a:lstStyle/>
+            <a:p>
+              <a:pPr algn="ctr"/>
+              <a:r>
+                <a:rPr lang="en-US" sz="2800" dirty="0" smtClean="0">
+                  <a:solidFill>
+                    <a:schemeClr val="tx1"/>
+                  </a:solidFill>
+                </a:rPr>
+                <a:t>0.2</a:t>
+              </a:r>
+              <a:endParaRPr lang="en-US" sz="2800" dirty="0">
+                <a:solidFill>
+                  <a:schemeClr val="tx1"/>
+                </a:solidFill>
+              </a:endParaRPr>
+            </a:p>
+          </p:txBody>
+        </p:sp>
+        <p:sp>
+          <p:nvSpPr>
+            <p:cNvPr id="31" name="TextBox 30"/>
+            <p:cNvSpPr txBox="1"/>
+            <p:nvPr/>
+          </p:nvSpPr>
+          <p:spPr>
+            <a:xfrm>
+              <a:off x="1023145" y="5782003"/>
+              <a:ext cx="1728358" cy="430887"/>
+            </a:xfrm>
+            <a:prstGeom prst="rect">
+              <a:avLst/>
+            </a:prstGeom>
+            <a:noFill/>
+          </p:spPr>
+          <p:txBody>
+            <a:bodyPr wrap="none" rtlCol="0">
+              <a:spAutoFit/>
+            </a:bodyPr>
+            <a:lstStyle/>
+            <a:p>
+              <a:r>
+                <a:rPr lang="en-US" sz="2200" dirty="0" smtClean="0"/>
+                <a:t>Older </a:t>
+              </a:r>
+              <a:r>
+                <a:rPr lang="en-US" sz="2200" dirty="0" smtClean="0"/>
+                <a:t>siblings</a:t>
+              </a:r>
+              <a:endParaRPr lang="en-US" sz="2200" dirty="0"/>
+            </a:p>
+          </p:txBody>
+        </p:sp>
+        <p:sp>
+          <p:nvSpPr>
+            <p:cNvPr id="32" name="Oval 31"/>
+            <p:cNvSpPr/>
+            <p:nvPr/>
+          </p:nvSpPr>
+          <p:spPr>
+            <a:xfrm>
+              <a:off x="4216259" y="4845899"/>
+              <a:ext cx="1008112" cy="936104"/>
+            </a:xfrm>
+            <a:prstGeom prst="ellipse">
+              <a:avLst/>
+            </a:prstGeom>
+            <a:noFill/>
+            <a:ln>
+              <a:solidFill>
+                <a:schemeClr val="tx1"/>
+              </a:solidFill>
+            </a:ln>
+          </p:spPr>
+          <p:style>
+            <a:lnRef idx="2">
+              <a:schemeClr val="accent1">
+                <a:shade val="50000"/>
+              </a:schemeClr>
+            </a:lnRef>
+            <a:fillRef idx="1">
+              <a:schemeClr val="accent1"/>
+            </a:fillRef>
+            <a:effectRef idx="0">
+              <a:schemeClr val="accent1"/>
+            </a:effectRef>
+            <a:fontRef idx="minor">
+              <a:schemeClr val="lt1"/>
+            </a:fontRef>
+          </p:style>
+          <p:txBody>
+            <a:bodyPr rtlCol="0" anchor="ctr"/>
+            <a:lstStyle/>
+            <a:p>
+              <a:pPr algn="ctr"/>
+              <a:r>
+                <a:rPr lang="en-US" sz="2800" dirty="0" smtClean="0">
+                  <a:solidFill>
+                    <a:schemeClr val="tx1"/>
+                  </a:solidFill>
+                </a:rPr>
+                <a:t>0.5</a:t>
+              </a:r>
+              <a:endParaRPr lang="en-US" sz="2800" dirty="0">
+                <a:solidFill>
+                  <a:schemeClr val="tx1"/>
+                </a:solidFill>
+              </a:endParaRPr>
+            </a:p>
+          </p:txBody>
+        </p:sp>
+        <p:sp>
+          <p:nvSpPr>
+            <p:cNvPr id="33" name="TextBox 32"/>
+            <p:cNvSpPr txBox="1"/>
+            <p:nvPr/>
+          </p:nvSpPr>
+          <p:spPr>
+            <a:xfrm>
+              <a:off x="3742432" y="5782003"/>
+              <a:ext cx="2020681" cy="430887"/>
+            </a:xfrm>
+            <a:prstGeom prst="rect">
+              <a:avLst/>
+            </a:prstGeom>
+            <a:noFill/>
+          </p:spPr>
+          <p:txBody>
+            <a:bodyPr wrap="none" rtlCol="0">
+              <a:spAutoFit/>
+            </a:bodyPr>
+            <a:lstStyle/>
+            <a:p>
+              <a:r>
+                <a:rPr lang="en-US" sz="2200" dirty="0" smtClean="0"/>
+                <a:t>Younger </a:t>
+              </a:r>
+              <a:r>
+                <a:rPr lang="en-US" sz="2200" dirty="0"/>
+                <a:t>siblings</a:t>
+              </a:r>
+              <a:endParaRPr lang="en-US" sz="2200" dirty="0"/>
+            </a:p>
+          </p:txBody>
+        </p:sp>
+        <p:sp>
+          <p:nvSpPr>
+            <p:cNvPr id="34" name="Oval 33"/>
+            <p:cNvSpPr/>
+            <p:nvPr/>
+          </p:nvSpPr>
+          <p:spPr>
+            <a:xfrm>
+              <a:off x="-42572" y="4850740"/>
+              <a:ext cx="1008112" cy="936104"/>
+            </a:xfrm>
+            <a:prstGeom prst="ellipse">
+              <a:avLst/>
+            </a:prstGeom>
+            <a:noFill/>
+            <a:ln>
+              <a:solidFill>
+                <a:schemeClr val="tx1"/>
+              </a:solidFill>
+            </a:ln>
+          </p:spPr>
+          <p:style>
+            <a:lnRef idx="2">
+              <a:schemeClr val="accent1">
+                <a:shade val="50000"/>
+              </a:schemeClr>
+            </a:lnRef>
+            <a:fillRef idx="1">
+              <a:schemeClr val="accent1"/>
+            </a:fillRef>
+            <a:effectRef idx="0">
+              <a:schemeClr val="accent1"/>
+            </a:effectRef>
+            <a:fontRef idx="minor">
+              <a:schemeClr val="lt1"/>
+            </a:fontRef>
+          </p:style>
+          <p:txBody>
+            <a:bodyPr rtlCol="0" anchor="ctr"/>
+            <a:lstStyle/>
+            <a:p>
+              <a:pPr algn="ctr"/>
+              <a:r>
+                <a:rPr lang="en-US" sz="2800" dirty="0" smtClean="0">
+                  <a:solidFill>
+                    <a:schemeClr val="tx1"/>
+                  </a:solidFill>
+                </a:rPr>
+                <a:t>3.1</a:t>
+              </a:r>
+              <a:endParaRPr lang="en-US" sz="2800" dirty="0">
+                <a:solidFill>
+                  <a:schemeClr val="tx1"/>
+                </a:solidFill>
+              </a:endParaRPr>
+            </a:p>
+          </p:txBody>
+        </p:sp>
+        <p:sp>
+          <p:nvSpPr>
+            <p:cNvPr id="35" name="TextBox 34"/>
+            <p:cNvSpPr txBox="1"/>
+            <p:nvPr/>
+          </p:nvSpPr>
+          <p:spPr>
+            <a:xfrm>
+              <a:off x="-8497" y="5786844"/>
+              <a:ext cx="1064715" cy="430887"/>
+            </a:xfrm>
+            <a:prstGeom prst="rect">
+              <a:avLst/>
+            </a:prstGeom>
+            <a:noFill/>
+          </p:spPr>
+          <p:txBody>
+            <a:bodyPr wrap="none" rtlCol="0">
+              <a:spAutoFit/>
+            </a:bodyPr>
+            <a:lstStyle/>
+            <a:p>
+              <a:r>
+                <a:rPr lang="en-US" sz="2200" dirty="0" smtClean="0"/>
+                <a:t>Cousins</a:t>
+              </a:r>
+              <a:endParaRPr lang="en-US" sz="2200" dirty="0"/>
+            </a:p>
+          </p:txBody>
+        </p:sp>
+        <p:sp>
+          <p:nvSpPr>
+            <p:cNvPr id="36" name="TextBox 35"/>
+            <p:cNvSpPr txBox="1"/>
+            <p:nvPr/>
+          </p:nvSpPr>
+          <p:spPr>
+            <a:xfrm>
+              <a:off x="4197166" y="3974958"/>
+              <a:ext cx="1114985" cy="769441"/>
+            </a:xfrm>
+            <a:prstGeom prst="rect">
+              <a:avLst/>
+            </a:prstGeom>
+            <a:noFill/>
+          </p:spPr>
+          <p:txBody>
+            <a:bodyPr wrap="none" rtlCol="0">
+              <a:spAutoFit/>
+            </a:bodyPr>
+            <a:lstStyle/>
+            <a:p>
+              <a:pPr algn="ctr"/>
+              <a:r>
+                <a:rPr lang="en-US" sz="2200" dirty="0" smtClean="0"/>
+                <a:t>Younger</a:t>
+              </a:r>
+            </a:p>
+            <a:p>
+              <a:pPr algn="ctr"/>
+              <a:r>
+                <a:rPr lang="en-US" sz="2200" dirty="0" smtClean="0"/>
+                <a:t>uncles</a:t>
+              </a:r>
+              <a:endParaRPr lang="en-US" sz="2200" dirty="0"/>
+            </a:p>
+          </p:txBody>
+        </p:sp>
+        <p:sp>
+          <p:nvSpPr>
+            <p:cNvPr id="37" name="Oval 36"/>
+            <p:cNvSpPr/>
+            <p:nvPr/>
+          </p:nvSpPr>
+          <p:spPr>
+            <a:xfrm>
+              <a:off x="1381282" y="6498701"/>
+              <a:ext cx="1008112" cy="936104"/>
+            </a:xfrm>
+            <a:prstGeom prst="ellipse">
+              <a:avLst/>
+            </a:prstGeom>
+            <a:noFill/>
+            <a:ln>
+              <a:solidFill>
+                <a:schemeClr val="tx1"/>
+              </a:solidFill>
+            </a:ln>
+          </p:spPr>
+          <p:style>
+            <a:lnRef idx="2">
+              <a:schemeClr val="accent1">
+                <a:shade val="50000"/>
+              </a:schemeClr>
+            </a:lnRef>
+            <a:fillRef idx="1">
+              <a:schemeClr val="accent1"/>
+            </a:fillRef>
+            <a:effectRef idx="0">
+              <a:schemeClr val="accent1"/>
+            </a:effectRef>
+            <a:fontRef idx="minor">
+              <a:schemeClr val="lt1"/>
+            </a:fontRef>
+          </p:style>
+          <p:txBody>
+            <a:bodyPr rtlCol="0" anchor="ctr"/>
+            <a:lstStyle/>
+            <a:p>
+              <a:pPr algn="ctr"/>
+              <a:r>
+                <a:rPr lang="en-US" sz="2800" dirty="0" smtClean="0">
+                  <a:solidFill>
+                    <a:schemeClr val="tx1"/>
+                  </a:solidFill>
+                </a:rPr>
+                <a:t>0.1</a:t>
+              </a:r>
+              <a:endParaRPr lang="en-US" sz="2800" dirty="0">
+                <a:solidFill>
+                  <a:schemeClr val="tx1"/>
+                </a:solidFill>
+              </a:endParaRPr>
+            </a:p>
+          </p:txBody>
+        </p:sp>
+        <p:sp>
+          <p:nvSpPr>
+            <p:cNvPr id="39" name="Oval 38"/>
+            <p:cNvSpPr/>
+            <p:nvPr/>
+          </p:nvSpPr>
+          <p:spPr>
+            <a:xfrm>
+              <a:off x="4246796" y="6506924"/>
+              <a:ext cx="1008112" cy="936104"/>
+            </a:xfrm>
+            <a:prstGeom prst="ellipse">
+              <a:avLst/>
+            </a:prstGeom>
+            <a:noFill/>
+            <a:ln>
+              <a:solidFill>
+                <a:schemeClr val="tx1"/>
+              </a:solidFill>
+            </a:ln>
+          </p:spPr>
+          <p:style>
+            <a:lnRef idx="2">
+              <a:schemeClr val="accent1">
+                <a:shade val="50000"/>
+              </a:schemeClr>
+            </a:lnRef>
+            <a:fillRef idx="1">
+              <a:schemeClr val="accent1"/>
+            </a:fillRef>
+            <a:effectRef idx="0">
+              <a:schemeClr val="accent1"/>
+            </a:effectRef>
+            <a:fontRef idx="minor">
+              <a:schemeClr val="lt1"/>
+            </a:fontRef>
+          </p:style>
+          <p:txBody>
+            <a:bodyPr rtlCol="0" anchor="ctr"/>
+            <a:lstStyle/>
+            <a:p>
+              <a:pPr algn="ctr"/>
+              <a:r>
+                <a:rPr lang="en-US" sz="2800" dirty="0" smtClean="0">
+                  <a:solidFill>
+                    <a:schemeClr val="tx1"/>
+                  </a:solidFill>
+                </a:rPr>
+                <a:t>0.1</a:t>
+              </a:r>
+              <a:endParaRPr lang="en-US" sz="2800" dirty="0">
+                <a:solidFill>
+                  <a:schemeClr val="tx1"/>
+                </a:solidFill>
+              </a:endParaRPr>
+            </a:p>
+          </p:txBody>
+        </p:sp>
+        <p:sp>
+          <p:nvSpPr>
+            <p:cNvPr id="40" name="TextBox 39"/>
+            <p:cNvSpPr txBox="1"/>
+            <p:nvPr/>
+          </p:nvSpPr>
+          <p:spPr>
+            <a:xfrm>
+              <a:off x="4101977" y="7443028"/>
+              <a:ext cx="1253228" cy="430887"/>
+            </a:xfrm>
+            <a:prstGeom prst="rect">
+              <a:avLst/>
+            </a:prstGeom>
+            <a:noFill/>
+          </p:spPr>
+          <p:txBody>
+            <a:bodyPr wrap="none" rtlCol="0">
+              <a:spAutoFit/>
+            </a:bodyPr>
+            <a:lstStyle/>
+            <a:p>
+              <a:pPr algn="ctr"/>
+              <a:r>
+                <a:rPr lang="en-US" sz="2200" dirty="0"/>
+                <a:t>Nephews</a:t>
+              </a:r>
+              <a:endParaRPr lang="en-US" sz="2200" dirty="0"/>
+            </a:p>
+          </p:txBody>
+        </p:sp>
+        <p:sp>
+          <p:nvSpPr>
+            <p:cNvPr id="41" name="Oval 40"/>
+            <p:cNvSpPr/>
+            <p:nvPr/>
+          </p:nvSpPr>
+          <p:spPr>
+            <a:xfrm>
+              <a:off x="5699181" y="4845899"/>
+              <a:ext cx="1008112" cy="936104"/>
+            </a:xfrm>
+            <a:prstGeom prst="ellipse">
+              <a:avLst/>
+            </a:prstGeom>
+            <a:noFill/>
+            <a:ln>
+              <a:solidFill>
+                <a:schemeClr val="tx1"/>
+              </a:solidFill>
+            </a:ln>
+          </p:spPr>
+          <p:style>
+            <a:lnRef idx="2">
+              <a:schemeClr val="accent1">
+                <a:shade val="50000"/>
+              </a:schemeClr>
+            </a:lnRef>
+            <a:fillRef idx="1">
+              <a:schemeClr val="accent1"/>
+            </a:fillRef>
+            <a:effectRef idx="0">
+              <a:schemeClr val="accent1"/>
+            </a:effectRef>
+            <a:fontRef idx="minor">
+              <a:schemeClr val="lt1"/>
+            </a:fontRef>
+          </p:style>
+          <p:txBody>
+            <a:bodyPr rtlCol="0" anchor="ctr"/>
+            <a:lstStyle/>
+            <a:p>
+              <a:pPr algn="ctr"/>
+              <a:r>
+                <a:rPr lang="en-US" sz="2800" dirty="0" smtClean="0">
+                  <a:solidFill>
+                    <a:schemeClr val="tx1"/>
+                  </a:solidFill>
+                </a:rPr>
+                <a:t>2.8</a:t>
+              </a:r>
+              <a:endParaRPr lang="en-US" sz="2800" dirty="0">
+                <a:solidFill>
+                  <a:schemeClr val="tx1"/>
+                </a:solidFill>
+              </a:endParaRPr>
+            </a:p>
+          </p:txBody>
+        </p:sp>
+        <p:sp>
+          <p:nvSpPr>
+            <p:cNvPr id="42" name="TextBox 41"/>
+            <p:cNvSpPr txBox="1"/>
+            <p:nvPr/>
+          </p:nvSpPr>
+          <p:spPr>
+            <a:xfrm>
+              <a:off x="5733256" y="5782003"/>
+              <a:ext cx="1064715" cy="430887"/>
+            </a:xfrm>
+            <a:prstGeom prst="rect">
+              <a:avLst/>
+            </a:prstGeom>
+            <a:noFill/>
+          </p:spPr>
+          <p:txBody>
+            <a:bodyPr wrap="none" rtlCol="0">
+              <a:spAutoFit/>
+            </a:bodyPr>
+            <a:lstStyle/>
+            <a:p>
+              <a:r>
+                <a:rPr lang="en-US" sz="2200" dirty="0" smtClean="0"/>
+                <a:t>Cousins</a:t>
+              </a:r>
+              <a:endParaRPr lang="en-US" sz="2200" dirty="0"/>
+            </a:p>
+          </p:txBody>
+        </p:sp>
+        <p:sp>
+          <p:nvSpPr>
+            <p:cNvPr id="43" name="TextBox 42"/>
+            <p:cNvSpPr txBox="1"/>
+            <p:nvPr/>
+          </p:nvSpPr>
+          <p:spPr>
+            <a:xfrm>
+              <a:off x="1239691" y="7489194"/>
+              <a:ext cx="1253228" cy="430887"/>
+            </a:xfrm>
+            <a:prstGeom prst="rect">
+              <a:avLst/>
+            </a:prstGeom>
+            <a:noFill/>
+          </p:spPr>
+          <p:txBody>
+            <a:bodyPr wrap="none" rtlCol="0">
+              <a:spAutoFit/>
+            </a:bodyPr>
+            <a:lstStyle/>
+            <a:p>
+              <a:pPr algn="ctr"/>
+              <a:r>
+                <a:rPr lang="en-US" sz="2200" dirty="0" smtClean="0"/>
+                <a:t>Nephews</a:t>
+              </a:r>
+              <a:endParaRPr lang="en-US" sz="2200" dirty="0"/>
+            </a:p>
+          </p:txBody>
+        </p:sp>
+        <p:cxnSp>
+          <p:nvCxnSpPr>
+            <p:cNvPr id="3" name="Straight Connector 2"/>
+            <p:cNvCxnSpPr>
+              <a:stCxn id="21" idx="2"/>
+              <a:endCxn id="22" idx="0"/>
+            </p:cNvCxnSpPr>
+            <p:nvPr/>
+          </p:nvCxnSpPr>
+          <p:spPr>
+            <a:xfrm flipH="1">
+              <a:off x="3270736" y="2893169"/>
+              <a:ext cx="1445" cy="157371"/>
+            </a:xfrm>
+            <a:prstGeom prst="line">
+              <a:avLst/>
+            </a:prstGeom>
+            <a:ln>
+              <a:solidFill>
+                <a:schemeClr val="tx1"/>
+              </a:solidFill>
+            </a:ln>
+          </p:spPr>
+          <p:style>
+            <a:lnRef idx="1">
+              <a:schemeClr val="accent1"/>
+            </a:lnRef>
+            <a:fillRef idx="0">
+              <a:schemeClr val="accent1"/>
+            </a:fillRef>
+            <a:effectRef idx="0">
+              <a:schemeClr val="accent1"/>
+            </a:effectRef>
+            <a:fontRef idx="minor">
               <a:schemeClr val="tx1"/>
-            </a:solidFill>
-          </a:ln>
-        </p:spPr>
-        <p:style>
-          <a:lnRef idx="2">
-            <a:schemeClr val="accent1">
-              <a:shade val="50000"/>
-            </a:schemeClr>
-          </a:lnRef>
-          <a:fillRef idx="1">
-            <a:schemeClr val="accent1"/>
-          </a:fillRef>
-          <a:effectRef idx="0">
-            <a:schemeClr val="accent1"/>
-          </a:effectRef>
-          <a:fontRef idx="minor">
-            <a:schemeClr val="lt1"/>
-          </a:fontRef>
-        </p:style>
-        <p:txBody>
-          <a:bodyPr rtlCol="0" anchor="ctr"/>
-          <a:lstStyle/>
-          <a:p>
-            <a:pPr algn="ctr"/>
-            <a:endParaRPr lang="en-US"/>
-          </a:p>
-        </p:txBody>
-      </p:sp>
-      <p:sp>
-        <p:nvSpPr>
-          <p:cNvPr id="15" name="TextBox 14"/>
-          <p:cNvSpPr txBox="1"/>
-          <p:nvPr/>
-        </p:nvSpPr>
-        <p:spPr>
-          <a:xfrm>
-            <a:off x="3007683" y="5786844"/>
-            <a:ext cx="526106" cy="369332"/>
-          </a:xfrm>
-          <a:prstGeom prst="rect">
-            <a:avLst/>
-          </a:prstGeom>
-          <a:noFill/>
-        </p:spPr>
-        <p:txBody>
-          <a:bodyPr wrap="none" rtlCol="0">
-            <a:spAutoFit/>
-          </a:bodyPr>
-          <a:lstStyle/>
-          <a:p>
-            <a:r>
-              <a:rPr lang="en-US" dirty="0" smtClean="0"/>
-              <a:t>Ego</a:t>
-            </a:r>
-            <a:endParaRPr lang="en-US" dirty="0"/>
-          </a:p>
-        </p:txBody>
-      </p:sp>
-      <p:sp>
-        <p:nvSpPr>
-          <p:cNvPr id="16" name="Oval 15"/>
-          <p:cNvSpPr/>
-          <p:nvPr/>
-        </p:nvSpPr>
-        <p:spPr>
-          <a:xfrm>
-            <a:off x="2766680" y="6506924"/>
-            <a:ext cx="1008112" cy="936104"/>
-          </a:xfrm>
-          <a:prstGeom prst="ellipse">
-            <a:avLst/>
-          </a:prstGeom>
-          <a:noFill/>
-          <a:ln>
-            <a:solidFill>
+            </a:fontRef>
+          </p:style>
+        </p:cxnSp>
+        <p:cxnSp>
+          <p:nvCxnSpPr>
+            <p:cNvPr id="5" name="Straight Connector 4"/>
+            <p:cNvCxnSpPr>
+              <a:stCxn id="23" idx="2"/>
+              <a:endCxn id="14" idx="0"/>
+            </p:cNvCxnSpPr>
+            <p:nvPr/>
+          </p:nvCxnSpPr>
+          <p:spPr>
+            <a:xfrm flipH="1">
+              <a:off x="3270736" y="4417531"/>
+              <a:ext cx="2098" cy="433209"/>
+            </a:xfrm>
+            <a:prstGeom prst="line">
+              <a:avLst/>
+            </a:prstGeom>
+            <a:ln>
+              <a:solidFill>
+                <a:schemeClr val="tx1"/>
+              </a:solidFill>
+            </a:ln>
+          </p:spPr>
+          <p:style>
+            <a:lnRef idx="1">
+              <a:schemeClr val="accent1"/>
+            </a:lnRef>
+            <a:fillRef idx="0">
+              <a:schemeClr val="accent1"/>
+            </a:fillRef>
+            <a:effectRef idx="0">
+              <a:schemeClr val="accent1"/>
+            </a:effectRef>
+            <a:fontRef idx="minor">
               <a:schemeClr val="tx1"/>
-            </a:solidFill>
-          </a:ln>
-        </p:spPr>
-        <p:style>
-          <a:lnRef idx="2">
-            <a:schemeClr val="accent1">
-              <a:shade val="50000"/>
-            </a:schemeClr>
-          </a:lnRef>
-          <a:fillRef idx="1">
-            <a:schemeClr val="accent1"/>
-          </a:fillRef>
-          <a:effectRef idx="0">
-            <a:schemeClr val="accent1"/>
-          </a:effectRef>
-          <a:fontRef idx="minor">
-            <a:schemeClr val="lt1"/>
-          </a:fontRef>
-        </p:style>
-        <p:txBody>
-          <a:bodyPr rtlCol="0" anchor="ctr"/>
-          <a:lstStyle/>
-          <a:p>
-            <a:pPr algn="ctr"/>
-            <a:endParaRPr lang="en-US"/>
-          </a:p>
-        </p:txBody>
-      </p:sp>
-      <p:sp>
-        <p:nvSpPr>
-          <p:cNvPr id="17" name="TextBox 16"/>
-          <p:cNvSpPr txBox="1"/>
-          <p:nvPr/>
-        </p:nvSpPr>
-        <p:spPr>
-          <a:xfrm>
-            <a:off x="2730545" y="7443028"/>
-            <a:ext cx="1058495" cy="369332"/>
-          </a:xfrm>
-          <a:prstGeom prst="rect">
-            <a:avLst/>
-          </a:prstGeom>
-          <a:noFill/>
-        </p:spPr>
-        <p:txBody>
-          <a:bodyPr wrap="none" rtlCol="0">
-            <a:spAutoFit/>
-          </a:bodyPr>
-          <a:lstStyle/>
-          <a:p>
-            <a:r>
-              <a:rPr lang="en-US" dirty="0" smtClean="0"/>
-              <a:t>Daughter</a:t>
-            </a:r>
-            <a:endParaRPr lang="en-US" dirty="0"/>
-          </a:p>
-        </p:txBody>
-      </p:sp>
-      <p:sp>
-        <p:nvSpPr>
-          <p:cNvPr id="20" name="Oval 19"/>
-          <p:cNvSpPr/>
-          <p:nvPr/>
-        </p:nvSpPr>
-        <p:spPr>
-          <a:xfrm>
-            <a:off x="2766680" y="1394356"/>
-            <a:ext cx="1008112" cy="936104"/>
-          </a:xfrm>
-          <a:prstGeom prst="ellipse">
-            <a:avLst/>
-          </a:prstGeom>
-          <a:noFill/>
-          <a:ln>
-            <a:solidFill>
+            </a:fontRef>
+          </p:style>
+        </p:cxnSp>
+        <p:cxnSp>
+          <p:nvCxnSpPr>
+            <p:cNvPr id="7" name="Straight Connector 6"/>
+            <p:cNvCxnSpPr>
+              <a:stCxn id="15" idx="2"/>
+              <a:endCxn id="16" idx="0"/>
+            </p:cNvCxnSpPr>
+            <p:nvPr/>
+          </p:nvCxnSpPr>
+          <p:spPr>
+            <a:xfrm>
+              <a:off x="3310234" y="6217731"/>
+              <a:ext cx="6802" cy="289193"/>
+            </a:xfrm>
+            <a:prstGeom prst="line">
+              <a:avLst/>
+            </a:prstGeom>
+            <a:ln>
+              <a:solidFill>
+                <a:schemeClr val="tx1"/>
+              </a:solidFill>
+            </a:ln>
+          </p:spPr>
+          <p:style>
+            <a:lnRef idx="1">
+              <a:schemeClr val="accent1"/>
+            </a:lnRef>
+            <a:fillRef idx="0">
+              <a:schemeClr val="accent1"/>
+            </a:fillRef>
+            <a:effectRef idx="0">
+              <a:schemeClr val="accent1"/>
+            </a:effectRef>
+            <a:fontRef idx="minor">
               <a:schemeClr val="tx1"/>
-            </a:solidFill>
-          </a:ln>
-        </p:spPr>
-        <p:style>
-          <a:lnRef idx="2">
-            <a:schemeClr val="accent1">
-              <a:shade val="50000"/>
-            </a:schemeClr>
-          </a:lnRef>
-          <a:fillRef idx="1">
-            <a:schemeClr val="accent1"/>
-          </a:fillRef>
-          <a:effectRef idx="0">
-            <a:schemeClr val="accent1"/>
-          </a:effectRef>
-          <a:fontRef idx="minor">
-            <a:schemeClr val="lt1"/>
-          </a:fontRef>
-        </p:style>
-        <p:txBody>
-          <a:bodyPr rtlCol="0" anchor="ctr"/>
-          <a:lstStyle/>
-          <a:p>
-            <a:pPr algn="ctr"/>
-            <a:endParaRPr lang="en-US"/>
-          </a:p>
-        </p:txBody>
-      </p:sp>
-      <p:sp>
-        <p:nvSpPr>
-          <p:cNvPr id="21" name="TextBox 20"/>
-          <p:cNvSpPr txBox="1"/>
-          <p:nvPr/>
-        </p:nvSpPr>
-        <p:spPr>
-          <a:xfrm>
-            <a:off x="2553329" y="2330460"/>
-            <a:ext cx="1460721" cy="369332"/>
-          </a:xfrm>
-          <a:prstGeom prst="rect">
-            <a:avLst/>
-          </a:prstGeom>
-          <a:noFill/>
-        </p:spPr>
-        <p:txBody>
-          <a:bodyPr wrap="none" rtlCol="0">
-            <a:spAutoFit/>
-          </a:bodyPr>
-          <a:lstStyle/>
-          <a:p>
-            <a:r>
-              <a:rPr lang="en-US" dirty="0" smtClean="0"/>
-              <a:t>Grandmother</a:t>
-            </a:r>
-            <a:endParaRPr lang="en-US" dirty="0"/>
-          </a:p>
-        </p:txBody>
-      </p:sp>
-      <p:sp>
-        <p:nvSpPr>
-          <p:cNvPr id="22" name="Oval 21"/>
-          <p:cNvSpPr/>
-          <p:nvPr/>
-        </p:nvSpPr>
-        <p:spPr>
-          <a:xfrm>
-            <a:off x="2766680" y="3050540"/>
-            <a:ext cx="1008112" cy="936104"/>
-          </a:xfrm>
-          <a:prstGeom prst="ellipse">
-            <a:avLst/>
-          </a:prstGeom>
-          <a:noFill/>
-          <a:ln>
-            <a:solidFill>
+            </a:fontRef>
+          </p:style>
+        </p:cxnSp>
+        <p:cxnSp>
+          <p:nvCxnSpPr>
+            <p:cNvPr id="9" name="Straight Connector 8"/>
+            <p:cNvCxnSpPr>
+              <a:stCxn id="20" idx="5"/>
+              <a:endCxn id="28" idx="1"/>
+            </p:cNvCxnSpPr>
+            <p:nvPr/>
+          </p:nvCxnSpPr>
+          <p:spPr>
+            <a:xfrm>
+              <a:off x="3613024" y="2058647"/>
+              <a:ext cx="761554" cy="1128982"/>
+            </a:xfrm>
+            <a:prstGeom prst="line">
+              <a:avLst/>
+            </a:prstGeom>
+            <a:ln>
+              <a:solidFill>
+                <a:schemeClr val="tx1"/>
+              </a:solidFill>
+            </a:ln>
+          </p:spPr>
+          <p:style>
+            <a:lnRef idx="1">
+              <a:schemeClr val="accent1"/>
+            </a:lnRef>
+            <a:fillRef idx="0">
+              <a:schemeClr val="accent1"/>
+            </a:fillRef>
+            <a:effectRef idx="0">
+              <a:schemeClr val="accent1"/>
+            </a:effectRef>
+            <a:fontRef idx="minor">
               <a:schemeClr val="tx1"/>
-            </a:solidFill>
-          </a:ln>
-        </p:spPr>
-        <p:style>
-          <a:lnRef idx="2">
-            <a:schemeClr val="accent1">
-              <a:shade val="50000"/>
-            </a:schemeClr>
-          </a:lnRef>
-          <a:fillRef idx="1">
-            <a:schemeClr val="accent1"/>
-          </a:fillRef>
-          <a:effectRef idx="0">
-            <a:schemeClr val="accent1"/>
-          </a:effectRef>
-          <a:fontRef idx="minor">
-            <a:schemeClr val="lt1"/>
-          </a:fontRef>
-        </p:style>
-        <p:txBody>
-          <a:bodyPr rtlCol="0" anchor="ctr"/>
-          <a:lstStyle/>
-          <a:p>
-            <a:pPr algn="ctr"/>
-            <a:endParaRPr lang="en-US"/>
-          </a:p>
-        </p:txBody>
-      </p:sp>
-      <p:sp>
-        <p:nvSpPr>
-          <p:cNvPr id="23" name="TextBox 22"/>
-          <p:cNvSpPr txBox="1"/>
-          <p:nvPr/>
-        </p:nvSpPr>
-        <p:spPr>
-          <a:xfrm>
-            <a:off x="2819029" y="3986644"/>
-            <a:ext cx="898003" cy="369332"/>
-          </a:xfrm>
-          <a:prstGeom prst="rect">
-            <a:avLst/>
-          </a:prstGeom>
-          <a:noFill/>
-        </p:spPr>
-        <p:txBody>
-          <a:bodyPr wrap="none" rtlCol="0">
-            <a:spAutoFit/>
-          </a:bodyPr>
-          <a:lstStyle/>
-          <a:p>
-            <a:r>
-              <a:rPr lang="en-US" dirty="0" smtClean="0"/>
-              <a:t>Mother</a:t>
-            </a:r>
-            <a:endParaRPr lang="en-US" dirty="0"/>
-          </a:p>
-        </p:txBody>
-      </p:sp>
-      <p:sp>
-        <p:nvSpPr>
-          <p:cNvPr id="26" name="Oval 25"/>
-          <p:cNvSpPr/>
-          <p:nvPr/>
-        </p:nvSpPr>
-        <p:spPr>
-          <a:xfrm>
-            <a:off x="1309333" y="3050540"/>
-            <a:ext cx="1008112" cy="936104"/>
-          </a:xfrm>
-          <a:prstGeom prst="ellipse">
-            <a:avLst/>
-          </a:prstGeom>
-          <a:noFill/>
-          <a:ln>
-            <a:solidFill>
+            </a:fontRef>
+          </p:style>
+        </p:cxnSp>
+        <p:cxnSp>
+          <p:nvCxnSpPr>
+            <p:cNvPr id="11" name="Straight Connector 10"/>
+            <p:cNvCxnSpPr>
+              <a:stCxn id="20" idx="3"/>
+              <a:endCxn id="26" idx="7"/>
+            </p:cNvCxnSpPr>
+            <p:nvPr/>
+          </p:nvCxnSpPr>
+          <p:spPr>
+            <a:xfrm flipH="1">
+              <a:off x="2273253" y="2058647"/>
+              <a:ext cx="626929" cy="1128982"/>
+            </a:xfrm>
+            <a:prstGeom prst="line">
+              <a:avLst/>
+            </a:prstGeom>
+            <a:ln>
+              <a:solidFill>
+                <a:schemeClr val="tx1"/>
+              </a:solidFill>
+            </a:ln>
+          </p:spPr>
+          <p:style>
+            <a:lnRef idx="1">
+              <a:schemeClr val="accent1"/>
+            </a:lnRef>
+            <a:fillRef idx="0">
+              <a:schemeClr val="accent1"/>
+            </a:fillRef>
+            <a:effectRef idx="0">
+              <a:schemeClr val="accent1"/>
+            </a:effectRef>
+            <a:fontRef idx="minor">
               <a:schemeClr val="tx1"/>
-            </a:solidFill>
-          </a:ln>
-        </p:spPr>
-        <p:style>
-          <a:lnRef idx="2">
-            <a:schemeClr val="accent1">
-              <a:shade val="50000"/>
-            </a:schemeClr>
-          </a:lnRef>
-          <a:fillRef idx="1">
-            <a:schemeClr val="accent1"/>
-          </a:fillRef>
-          <a:effectRef idx="0">
-            <a:schemeClr val="accent1"/>
-          </a:effectRef>
-          <a:fontRef idx="minor">
-            <a:schemeClr val="lt1"/>
-          </a:fontRef>
-        </p:style>
-        <p:txBody>
-          <a:bodyPr rtlCol="0" anchor="ctr"/>
-          <a:lstStyle/>
-          <a:p>
-            <a:pPr algn="ctr"/>
-            <a:endParaRPr lang="en-US"/>
-          </a:p>
-        </p:txBody>
-      </p:sp>
-      <p:sp>
-        <p:nvSpPr>
-          <p:cNvPr id="27" name="TextBox 26"/>
-          <p:cNvSpPr txBox="1"/>
-          <p:nvPr/>
-        </p:nvSpPr>
-        <p:spPr>
-          <a:xfrm>
-            <a:off x="1124744" y="3986644"/>
-            <a:ext cx="1369286" cy="646331"/>
-          </a:xfrm>
-          <a:prstGeom prst="rect">
-            <a:avLst/>
-          </a:prstGeom>
-          <a:noFill/>
-        </p:spPr>
-        <p:txBody>
-          <a:bodyPr wrap="none" rtlCol="0">
-            <a:spAutoFit/>
-          </a:bodyPr>
-          <a:lstStyle/>
-          <a:p>
-            <a:r>
-              <a:rPr lang="en-US" dirty="0" smtClean="0"/>
-              <a:t>Aunts older </a:t>
-            </a:r>
-          </a:p>
-          <a:p>
-            <a:r>
-              <a:rPr lang="en-US" dirty="0" smtClean="0"/>
-              <a:t>than mother</a:t>
-            </a:r>
-            <a:endParaRPr lang="en-US" dirty="0"/>
-          </a:p>
-        </p:txBody>
-      </p:sp>
-      <p:sp>
-        <p:nvSpPr>
-          <p:cNvPr id="28" name="Oval 27"/>
-          <p:cNvSpPr/>
-          <p:nvPr/>
-        </p:nvSpPr>
-        <p:spPr>
-          <a:xfrm>
-            <a:off x="4226943" y="3050540"/>
-            <a:ext cx="1008112" cy="936104"/>
-          </a:xfrm>
-          <a:prstGeom prst="ellipse">
-            <a:avLst/>
-          </a:prstGeom>
-          <a:noFill/>
-          <a:ln>
-            <a:solidFill>
+            </a:fontRef>
+          </p:style>
+        </p:cxnSp>
+        <p:cxnSp>
+          <p:nvCxnSpPr>
+            <p:cNvPr id="13" name="Straight Connector 12"/>
+            <p:cNvCxnSpPr>
+              <a:stCxn id="26" idx="3"/>
+              <a:endCxn id="34" idx="7"/>
+            </p:cNvCxnSpPr>
+            <p:nvPr/>
+          </p:nvCxnSpPr>
+          <p:spPr>
+            <a:xfrm flipH="1">
+              <a:off x="817905" y="3849555"/>
+              <a:ext cx="742506" cy="1138274"/>
+            </a:xfrm>
+            <a:prstGeom prst="line">
+              <a:avLst/>
+            </a:prstGeom>
+            <a:ln>
+              <a:solidFill>
+                <a:schemeClr val="tx1"/>
+              </a:solidFill>
+            </a:ln>
+          </p:spPr>
+          <p:style>
+            <a:lnRef idx="1">
+              <a:schemeClr val="accent1"/>
+            </a:lnRef>
+            <a:fillRef idx="0">
+              <a:schemeClr val="accent1"/>
+            </a:fillRef>
+            <a:effectRef idx="0">
+              <a:schemeClr val="accent1"/>
+            </a:effectRef>
+            <a:fontRef idx="minor">
               <a:schemeClr val="tx1"/>
-            </a:solidFill>
-          </a:ln>
-        </p:spPr>
-        <p:style>
-          <a:lnRef idx="2">
-            <a:schemeClr val="accent1">
-              <a:shade val="50000"/>
-            </a:schemeClr>
-          </a:lnRef>
-          <a:fillRef idx="1">
-            <a:schemeClr val="accent1"/>
-          </a:fillRef>
-          <a:effectRef idx="0">
-            <a:schemeClr val="accent1"/>
-          </a:effectRef>
-          <a:fontRef idx="minor">
-            <a:schemeClr val="lt1"/>
-          </a:fontRef>
-        </p:style>
-        <p:txBody>
-          <a:bodyPr rtlCol="0" anchor="ctr"/>
-          <a:lstStyle/>
-          <a:p>
-            <a:pPr algn="ctr"/>
-            <a:endParaRPr lang="en-US"/>
-          </a:p>
-        </p:txBody>
-      </p:sp>
-      <p:sp>
-        <p:nvSpPr>
-          <p:cNvPr id="30" name="Oval 29"/>
-          <p:cNvSpPr/>
-          <p:nvPr/>
-        </p:nvSpPr>
-        <p:spPr>
-          <a:xfrm>
-            <a:off x="1298649" y="4845899"/>
-            <a:ext cx="1008112" cy="936104"/>
-          </a:xfrm>
-          <a:prstGeom prst="ellipse">
-            <a:avLst/>
-          </a:prstGeom>
-          <a:noFill/>
-          <a:ln>
-            <a:solidFill>
+            </a:fontRef>
+          </p:style>
+        </p:cxnSp>
+        <p:cxnSp>
+          <p:nvCxnSpPr>
+            <p:cNvPr id="19" name="Straight Connector 18"/>
+            <p:cNvCxnSpPr>
+              <a:stCxn id="28" idx="5"/>
+              <a:endCxn id="41" idx="1"/>
+            </p:cNvCxnSpPr>
+            <p:nvPr/>
+          </p:nvCxnSpPr>
+          <p:spPr>
+            <a:xfrm>
+              <a:off x="5087420" y="3849555"/>
+              <a:ext cx="759396" cy="1133433"/>
+            </a:xfrm>
+            <a:prstGeom prst="line">
+              <a:avLst/>
+            </a:prstGeom>
+            <a:ln>
+              <a:solidFill>
+                <a:schemeClr val="tx1"/>
+              </a:solidFill>
+            </a:ln>
+          </p:spPr>
+          <p:style>
+            <a:lnRef idx="1">
+              <a:schemeClr val="accent1"/>
+            </a:lnRef>
+            <a:fillRef idx="0">
+              <a:schemeClr val="accent1"/>
+            </a:fillRef>
+            <a:effectRef idx="0">
+              <a:schemeClr val="accent1"/>
+            </a:effectRef>
+            <a:fontRef idx="minor">
               <a:schemeClr val="tx1"/>
-            </a:solidFill>
-          </a:ln>
-        </p:spPr>
-        <p:style>
-          <a:lnRef idx="2">
-            <a:schemeClr val="accent1">
-              <a:shade val="50000"/>
-            </a:schemeClr>
-          </a:lnRef>
-          <a:fillRef idx="1">
-            <a:schemeClr val="accent1"/>
-          </a:fillRef>
-          <a:effectRef idx="0">
-            <a:schemeClr val="accent1"/>
-          </a:effectRef>
-          <a:fontRef idx="minor">
-            <a:schemeClr val="lt1"/>
-          </a:fontRef>
-        </p:style>
-        <p:txBody>
-          <a:bodyPr rtlCol="0" anchor="ctr"/>
-          <a:lstStyle/>
-          <a:p>
-            <a:pPr algn="ctr"/>
-            <a:endParaRPr lang="en-US"/>
-          </a:p>
-        </p:txBody>
-      </p:sp>
-      <p:sp>
-        <p:nvSpPr>
-          <p:cNvPr id="31" name="TextBox 30"/>
-          <p:cNvSpPr txBox="1"/>
-          <p:nvPr/>
-        </p:nvSpPr>
-        <p:spPr>
-          <a:xfrm>
-            <a:off x="1085298" y="5782003"/>
-            <a:ext cx="1345818" cy="369332"/>
-          </a:xfrm>
-          <a:prstGeom prst="rect">
-            <a:avLst/>
-          </a:prstGeom>
-          <a:noFill/>
-        </p:spPr>
-        <p:txBody>
-          <a:bodyPr wrap="none" rtlCol="0">
-            <a:spAutoFit/>
-          </a:bodyPr>
-          <a:lstStyle/>
-          <a:p>
-            <a:r>
-              <a:rPr lang="en-US" dirty="0" smtClean="0"/>
-              <a:t>Older sisters</a:t>
-            </a:r>
-            <a:endParaRPr lang="en-US" dirty="0"/>
-          </a:p>
-        </p:txBody>
-      </p:sp>
-      <p:sp>
-        <p:nvSpPr>
-          <p:cNvPr id="32" name="Oval 31"/>
-          <p:cNvSpPr/>
-          <p:nvPr/>
-        </p:nvSpPr>
-        <p:spPr>
-          <a:xfrm>
-            <a:off x="4216259" y="4845899"/>
-            <a:ext cx="1008112" cy="936104"/>
-          </a:xfrm>
-          <a:prstGeom prst="ellipse">
-            <a:avLst/>
-          </a:prstGeom>
-          <a:noFill/>
-          <a:ln>
-            <a:solidFill>
+            </a:fontRef>
+          </p:style>
+        </p:cxnSp>
+        <p:cxnSp>
+          <p:nvCxnSpPr>
+            <p:cNvPr id="25" name="Straight Connector 24"/>
+            <p:cNvCxnSpPr>
+              <a:stCxn id="22" idx="5"/>
+              <a:endCxn id="32" idx="1"/>
+            </p:cNvCxnSpPr>
+            <p:nvPr/>
+          </p:nvCxnSpPr>
+          <p:spPr>
+            <a:xfrm>
+              <a:off x="3627157" y="3849555"/>
+              <a:ext cx="736737" cy="1133433"/>
+            </a:xfrm>
+            <a:prstGeom prst="line">
+              <a:avLst/>
+            </a:prstGeom>
+            <a:ln>
+              <a:solidFill>
+                <a:schemeClr val="tx1"/>
+              </a:solidFill>
+            </a:ln>
+          </p:spPr>
+          <p:style>
+            <a:lnRef idx="1">
+              <a:schemeClr val="accent1"/>
+            </a:lnRef>
+            <a:fillRef idx="0">
+              <a:schemeClr val="accent1"/>
+            </a:fillRef>
+            <a:effectRef idx="0">
+              <a:schemeClr val="accent1"/>
+            </a:effectRef>
+            <a:fontRef idx="minor">
               <a:schemeClr val="tx1"/>
-            </a:solidFill>
-          </a:ln>
-        </p:spPr>
-        <p:style>
-          <a:lnRef idx="2">
-            <a:schemeClr val="accent1">
-              <a:shade val="50000"/>
-            </a:schemeClr>
-          </a:lnRef>
-          <a:fillRef idx="1">
-            <a:schemeClr val="accent1"/>
-          </a:fillRef>
-          <a:effectRef idx="0">
-            <a:schemeClr val="accent1"/>
-          </a:effectRef>
-          <a:fontRef idx="minor">
-            <a:schemeClr val="lt1"/>
-          </a:fontRef>
-        </p:style>
-        <p:txBody>
-          <a:bodyPr rtlCol="0" anchor="ctr"/>
-          <a:lstStyle/>
-          <a:p>
-            <a:pPr algn="ctr"/>
-            <a:endParaRPr lang="en-US"/>
-          </a:p>
-        </p:txBody>
-      </p:sp>
-      <p:sp>
-        <p:nvSpPr>
-          <p:cNvPr id="33" name="TextBox 32"/>
-          <p:cNvSpPr txBox="1"/>
-          <p:nvPr/>
-        </p:nvSpPr>
-        <p:spPr>
-          <a:xfrm>
-            <a:off x="4002908" y="5782003"/>
-            <a:ext cx="1586332" cy="369332"/>
-          </a:xfrm>
-          <a:prstGeom prst="rect">
-            <a:avLst/>
-          </a:prstGeom>
-          <a:noFill/>
-        </p:spPr>
-        <p:txBody>
-          <a:bodyPr wrap="none" rtlCol="0">
-            <a:spAutoFit/>
-          </a:bodyPr>
-          <a:lstStyle/>
-          <a:p>
-            <a:r>
-              <a:rPr lang="en-US" dirty="0" smtClean="0"/>
-              <a:t>Younger sisters</a:t>
-            </a:r>
-            <a:endParaRPr lang="en-US" dirty="0"/>
-          </a:p>
-        </p:txBody>
-      </p:sp>
-      <p:sp>
-        <p:nvSpPr>
-          <p:cNvPr id="34" name="Oval 33"/>
-          <p:cNvSpPr/>
-          <p:nvPr/>
-        </p:nvSpPr>
-        <p:spPr>
-          <a:xfrm>
-            <a:off x="-42572" y="4850740"/>
-            <a:ext cx="1008112" cy="936104"/>
-          </a:xfrm>
-          <a:prstGeom prst="ellipse">
-            <a:avLst/>
-          </a:prstGeom>
-          <a:noFill/>
-          <a:ln>
-            <a:solidFill>
+            </a:fontRef>
+          </p:style>
+        </p:cxnSp>
+        <p:cxnSp>
+          <p:nvCxnSpPr>
+            <p:cNvPr id="38" name="Straight Connector 37"/>
+            <p:cNvCxnSpPr>
+              <a:stCxn id="22" idx="3"/>
+              <a:endCxn id="30" idx="7"/>
+            </p:cNvCxnSpPr>
+            <p:nvPr/>
+          </p:nvCxnSpPr>
+          <p:spPr>
+            <a:xfrm flipH="1">
+              <a:off x="2159126" y="3849555"/>
+              <a:ext cx="755189" cy="1133433"/>
+            </a:xfrm>
+            <a:prstGeom prst="line">
+              <a:avLst/>
+            </a:prstGeom>
+            <a:ln>
+              <a:solidFill>
+                <a:schemeClr val="tx1"/>
+              </a:solidFill>
+            </a:ln>
+          </p:spPr>
+          <p:style>
+            <a:lnRef idx="1">
+              <a:schemeClr val="accent1"/>
+            </a:lnRef>
+            <a:fillRef idx="0">
+              <a:schemeClr val="accent1"/>
+            </a:fillRef>
+            <a:effectRef idx="0">
+              <a:schemeClr val="accent1"/>
+            </a:effectRef>
+            <a:fontRef idx="minor">
               <a:schemeClr val="tx1"/>
-            </a:solidFill>
-          </a:ln>
-        </p:spPr>
-        <p:style>
-          <a:lnRef idx="2">
-            <a:schemeClr val="accent1">
-              <a:shade val="50000"/>
-            </a:schemeClr>
-          </a:lnRef>
-          <a:fillRef idx="1">
-            <a:schemeClr val="accent1"/>
-          </a:fillRef>
-          <a:effectRef idx="0">
-            <a:schemeClr val="accent1"/>
-          </a:effectRef>
-          <a:fontRef idx="minor">
-            <a:schemeClr val="lt1"/>
-          </a:fontRef>
-        </p:style>
-        <p:txBody>
-          <a:bodyPr rtlCol="0" anchor="ctr"/>
-          <a:lstStyle/>
-          <a:p>
-            <a:pPr algn="ctr"/>
-            <a:endParaRPr lang="en-US"/>
-          </a:p>
-        </p:txBody>
-      </p:sp>
-      <p:sp>
-        <p:nvSpPr>
-          <p:cNvPr id="35" name="TextBox 34"/>
-          <p:cNvSpPr txBox="1"/>
-          <p:nvPr/>
-        </p:nvSpPr>
-        <p:spPr>
-          <a:xfrm>
-            <a:off x="-8497" y="5786844"/>
-            <a:ext cx="906017" cy="369332"/>
-          </a:xfrm>
-          <a:prstGeom prst="rect">
-            <a:avLst/>
-          </a:prstGeom>
-          <a:noFill/>
-        </p:spPr>
-        <p:txBody>
-          <a:bodyPr wrap="none" rtlCol="0">
-            <a:spAutoFit/>
-          </a:bodyPr>
-          <a:lstStyle/>
-          <a:p>
-            <a:r>
-              <a:rPr lang="en-US" dirty="0" smtClean="0"/>
-              <a:t>Cousins</a:t>
-            </a:r>
-            <a:endParaRPr lang="en-US" dirty="0"/>
-          </a:p>
-        </p:txBody>
-      </p:sp>
-      <p:sp>
-        <p:nvSpPr>
-          <p:cNvPr id="36" name="TextBox 35"/>
-          <p:cNvSpPr txBox="1"/>
-          <p:nvPr/>
-        </p:nvSpPr>
-        <p:spPr>
-          <a:xfrm>
-            <a:off x="4046356" y="3974958"/>
-            <a:ext cx="1548501" cy="646331"/>
-          </a:xfrm>
-          <a:prstGeom prst="rect">
-            <a:avLst/>
-          </a:prstGeom>
-          <a:noFill/>
-        </p:spPr>
-        <p:txBody>
-          <a:bodyPr wrap="none" rtlCol="0">
-            <a:spAutoFit/>
-          </a:bodyPr>
-          <a:lstStyle/>
-          <a:p>
-            <a:r>
-              <a:rPr lang="en-US" dirty="0" smtClean="0"/>
-              <a:t>Aunts younger</a:t>
-            </a:r>
-          </a:p>
-          <a:p>
-            <a:r>
-              <a:rPr lang="en-US" dirty="0" smtClean="0"/>
-              <a:t>than mother</a:t>
-            </a:r>
-            <a:endParaRPr lang="en-US" dirty="0"/>
-          </a:p>
-        </p:txBody>
-      </p:sp>
-      <p:sp>
-        <p:nvSpPr>
-          <p:cNvPr id="37" name="Oval 36"/>
-          <p:cNvSpPr/>
-          <p:nvPr/>
-        </p:nvSpPr>
-        <p:spPr>
-          <a:xfrm>
-            <a:off x="1317682" y="6498701"/>
-            <a:ext cx="1008112" cy="936104"/>
-          </a:xfrm>
-          <a:prstGeom prst="ellipse">
-            <a:avLst/>
-          </a:prstGeom>
-          <a:noFill/>
-          <a:ln>
-            <a:solidFill>
+            </a:fontRef>
+          </p:style>
+        </p:cxnSp>
+        <p:cxnSp>
+          <p:nvCxnSpPr>
+            <p:cNvPr id="45" name="Straight Connector 44"/>
+            <p:cNvCxnSpPr>
+              <a:stCxn id="31" idx="2"/>
+              <a:endCxn id="37" idx="0"/>
+            </p:cNvCxnSpPr>
+            <p:nvPr/>
+          </p:nvCxnSpPr>
+          <p:spPr>
+            <a:xfrm flipH="1">
+              <a:off x="1885338" y="6212890"/>
+              <a:ext cx="1986" cy="285811"/>
+            </a:xfrm>
+            <a:prstGeom prst="line">
+              <a:avLst/>
+            </a:prstGeom>
+            <a:ln>
+              <a:solidFill>
+                <a:schemeClr val="tx1"/>
+              </a:solidFill>
+            </a:ln>
+          </p:spPr>
+          <p:style>
+            <a:lnRef idx="1">
+              <a:schemeClr val="accent1"/>
+            </a:lnRef>
+            <a:fillRef idx="0">
+              <a:schemeClr val="accent1"/>
+            </a:fillRef>
+            <a:effectRef idx="0">
+              <a:schemeClr val="accent1"/>
+            </a:effectRef>
+            <a:fontRef idx="minor">
               <a:schemeClr val="tx1"/>
-            </a:solidFill>
-          </a:ln>
-        </p:spPr>
-        <p:style>
-          <a:lnRef idx="2">
-            <a:schemeClr val="accent1">
-              <a:shade val="50000"/>
-            </a:schemeClr>
-          </a:lnRef>
-          <a:fillRef idx="1">
-            <a:schemeClr val="accent1"/>
-          </a:fillRef>
-          <a:effectRef idx="0">
-            <a:schemeClr val="accent1"/>
-          </a:effectRef>
-          <a:fontRef idx="minor">
-            <a:schemeClr val="lt1"/>
-          </a:fontRef>
-        </p:style>
-        <p:txBody>
-          <a:bodyPr rtlCol="0" anchor="ctr"/>
-          <a:lstStyle/>
-          <a:p>
-            <a:pPr algn="ctr"/>
-            <a:endParaRPr lang="en-US"/>
-          </a:p>
-        </p:txBody>
-      </p:sp>
-      <p:sp>
-        <p:nvSpPr>
-          <p:cNvPr id="39" name="Oval 38"/>
-          <p:cNvSpPr/>
-          <p:nvPr/>
-        </p:nvSpPr>
-        <p:spPr>
-          <a:xfrm>
-            <a:off x="4250793" y="6506924"/>
-            <a:ext cx="1008112" cy="936104"/>
-          </a:xfrm>
-          <a:prstGeom prst="ellipse">
-            <a:avLst/>
-          </a:prstGeom>
-          <a:noFill/>
-          <a:ln>
-            <a:solidFill>
+            </a:fontRef>
+          </p:style>
+        </p:cxnSp>
+        <p:cxnSp>
+          <p:nvCxnSpPr>
+            <p:cNvPr id="47" name="Straight Connector 46"/>
+            <p:cNvCxnSpPr>
+              <a:stCxn id="33" idx="2"/>
+              <a:endCxn id="39" idx="0"/>
+            </p:cNvCxnSpPr>
+            <p:nvPr/>
+          </p:nvCxnSpPr>
+          <p:spPr>
+            <a:xfrm flipH="1">
+              <a:off x="4750852" y="6212890"/>
+              <a:ext cx="1921" cy="294034"/>
+            </a:xfrm>
+            <a:prstGeom prst="line">
+              <a:avLst/>
+            </a:prstGeom>
+            <a:ln>
+              <a:solidFill>
+                <a:schemeClr val="tx1"/>
+              </a:solidFill>
+            </a:ln>
+          </p:spPr>
+          <p:style>
+            <a:lnRef idx="1">
+              <a:schemeClr val="accent1"/>
+            </a:lnRef>
+            <a:fillRef idx="0">
+              <a:schemeClr val="accent1"/>
+            </a:fillRef>
+            <a:effectRef idx="0">
+              <a:schemeClr val="accent1"/>
+            </a:effectRef>
+            <a:fontRef idx="minor">
               <a:schemeClr val="tx1"/>
-            </a:solidFill>
-          </a:ln>
-        </p:spPr>
-        <p:style>
-          <a:lnRef idx="2">
-            <a:schemeClr val="accent1">
-              <a:shade val="50000"/>
-            </a:schemeClr>
-          </a:lnRef>
-          <a:fillRef idx="1">
-            <a:schemeClr val="accent1"/>
-          </a:fillRef>
-          <a:effectRef idx="0">
-            <a:schemeClr val="accent1"/>
-          </a:effectRef>
-          <a:fontRef idx="minor">
-            <a:schemeClr val="lt1"/>
-          </a:fontRef>
-        </p:style>
-        <p:txBody>
-          <a:bodyPr rtlCol="0" anchor="ctr"/>
-          <a:lstStyle/>
-          <a:p>
-            <a:pPr algn="ctr"/>
-            <a:endParaRPr lang="en-US"/>
-          </a:p>
-        </p:txBody>
-      </p:sp>
-      <p:sp>
-        <p:nvSpPr>
-          <p:cNvPr id="40" name="TextBox 39"/>
-          <p:cNvSpPr txBox="1"/>
-          <p:nvPr/>
-        </p:nvSpPr>
-        <p:spPr>
-          <a:xfrm>
-            <a:off x="3944631" y="7443028"/>
-            <a:ext cx="1660519" cy="646331"/>
-          </a:xfrm>
-          <a:prstGeom prst="rect">
-            <a:avLst/>
-          </a:prstGeom>
-          <a:noFill/>
-        </p:spPr>
-        <p:txBody>
-          <a:bodyPr wrap="none" rtlCol="0">
-            <a:spAutoFit/>
-          </a:bodyPr>
-          <a:lstStyle/>
-          <a:p>
-            <a:pPr algn="ctr"/>
-            <a:r>
-              <a:rPr lang="en-US" dirty="0" smtClean="0"/>
-              <a:t>Nieces through </a:t>
-            </a:r>
-          </a:p>
-          <a:p>
-            <a:pPr algn="ctr"/>
-            <a:r>
-              <a:rPr lang="en-US" dirty="0" smtClean="0"/>
-              <a:t>younger sister</a:t>
-            </a:r>
-            <a:endParaRPr lang="en-US" dirty="0"/>
-          </a:p>
-        </p:txBody>
-      </p:sp>
-      <p:sp>
-        <p:nvSpPr>
-          <p:cNvPr id="41" name="Oval 40"/>
-          <p:cNvSpPr/>
-          <p:nvPr/>
-        </p:nvSpPr>
-        <p:spPr>
-          <a:xfrm>
-            <a:off x="5699181" y="4845899"/>
-            <a:ext cx="1008112" cy="936104"/>
-          </a:xfrm>
-          <a:prstGeom prst="ellipse">
-            <a:avLst/>
-          </a:prstGeom>
-          <a:noFill/>
-          <a:ln>
-            <a:solidFill>
-              <a:schemeClr val="tx1"/>
-            </a:solidFill>
-          </a:ln>
-        </p:spPr>
-        <p:style>
-          <a:lnRef idx="2">
-            <a:schemeClr val="accent1">
-              <a:shade val="50000"/>
-            </a:schemeClr>
-          </a:lnRef>
-          <a:fillRef idx="1">
-            <a:schemeClr val="accent1"/>
-          </a:fillRef>
-          <a:effectRef idx="0">
-            <a:schemeClr val="accent1"/>
-          </a:effectRef>
-          <a:fontRef idx="minor">
-            <a:schemeClr val="lt1"/>
-          </a:fontRef>
-        </p:style>
-        <p:txBody>
-          <a:bodyPr rtlCol="0" anchor="ctr"/>
-          <a:lstStyle/>
-          <a:p>
-            <a:pPr algn="ctr"/>
-            <a:endParaRPr lang="en-US"/>
-          </a:p>
-        </p:txBody>
-      </p:sp>
-      <p:sp>
-        <p:nvSpPr>
-          <p:cNvPr id="42" name="TextBox 41"/>
-          <p:cNvSpPr txBox="1"/>
-          <p:nvPr/>
-        </p:nvSpPr>
-        <p:spPr>
-          <a:xfrm>
-            <a:off x="5733256" y="5782003"/>
-            <a:ext cx="906017" cy="369332"/>
-          </a:xfrm>
-          <a:prstGeom prst="rect">
-            <a:avLst/>
-          </a:prstGeom>
-          <a:noFill/>
-        </p:spPr>
-        <p:txBody>
-          <a:bodyPr wrap="none" rtlCol="0">
-            <a:spAutoFit/>
-          </a:bodyPr>
-          <a:lstStyle/>
-          <a:p>
-            <a:r>
-              <a:rPr lang="en-US" dirty="0" smtClean="0"/>
-              <a:t>Cousins</a:t>
-            </a:r>
-            <a:endParaRPr lang="en-US" dirty="0"/>
-          </a:p>
-        </p:txBody>
-      </p:sp>
-      <p:sp>
-        <p:nvSpPr>
-          <p:cNvPr id="43" name="TextBox 42"/>
-          <p:cNvSpPr txBox="1"/>
-          <p:nvPr/>
-        </p:nvSpPr>
-        <p:spPr>
-          <a:xfrm>
-            <a:off x="972445" y="7489194"/>
-            <a:ext cx="1660519" cy="646331"/>
-          </a:xfrm>
-          <a:prstGeom prst="rect">
-            <a:avLst/>
-          </a:prstGeom>
-          <a:noFill/>
-        </p:spPr>
-        <p:txBody>
-          <a:bodyPr wrap="none" rtlCol="0">
-            <a:spAutoFit/>
-          </a:bodyPr>
-          <a:lstStyle/>
-          <a:p>
-            <a:pPr algn="ctr"/>
-            <a:r>
-              <a:rPr lang="en-US" dirty="0" smtClean="0"/>
-              <a:t>Nieces through </a:t>
-            </a:r>
-          </a:p>
-          <a:p>
-            <a:pPr algn="ctr"/>
-            <a:r>
-              <a:rPr lang="en-US" dirty="0" smtClean="0"/>
-              <a:t>younger sister</a:t>
-            </a:r>
-            <a:endParaRPr lang="en-US" dirty="0"/>
-          </a:p>
-        </p:txBody>
-      </p:sp>
+            </a:fontRef>
+          </p:style>
+        </p:cxnSp>
+      </p:grpSp>
     </p:spTree>
     <p:extLst>
       <p:ext uri="{BB962C8B-B14F-4D97-AF65-F5344CB8AC3E}">
-        <p14:creationId xmlns:p14="http://schemas.microsoft.com/office/powerpoint/2010/main" val="3244857712"/>
+        <p14:creationId xmlns:p14="http://schemas.microsoft.com/office/powerpoint/2010/main" val="4235465602"/>
       </p:ext>
     </p:extLst>
   </p:cSld>
@@ -4072,11 +4642,6 @@
                 </a:rPr>
                 <a:t>1</a:t>
               </a:r>
-              <a:endParaRPr lang="en-US" sz="2800" b="1" dirty="0">
-                <a:solidFill>
-                  <a:schemeClr val="tx1"/>
-                </a:solidFill>
-              </a:endParaRPr>
             </a:p>
           </p:txBody>
         </p:sp>
@@ -4172,7 +4737,7 @@
           <p:spPr>
             <a:xfrm>
               <a:off x="2776845" y="7443028"/>
-              <a:ext cx="1248227" cy="430887"/>
+              <a:ext cx="1141146" cy="430887"/>
             </a:xfrm>
             <a:prstGeom prst="rect">
               <a:avLst/>
@@ -4187,7 +4752,7 @@
             <a:p>
               <a:r>
                 <a:rPr lang="en-US" sz="2200" dirty="0" smtClean="0"/>
-                <a:t>Daughter</a:t>
+                <a:t>Children</a:t>
               </a:r>
               <a:endParaRPr lang="en-US" sz="2200" dirty="0"/>
             </a:p>
@@ -4210,7 +4775,285 @@
             <a:noFill/>
             <a:ln>
               <a:solidFill>
-                <a:schemeClr val="tx1"/>
+                <a:srgbClr val="FF0000"/>
+              </a:solidFill>
+            </a:ln>
+          </p:spPr>
+          <p:style>
+            <a:lnRef idx="2">
+              <a:schemeClr val="accent1">
+                <a:shade val="50000"/>
+              </a:schemeClr>
+            </a:lnRef>
+            <a:fillRef idx="1">
+              <a:schemeClr val="accent1"/>
+            </a:fillRef>
+            <a:effectRef idx="0">
+              <a:schemeClr val="accent1"/>
+            </a:effectRef>
+            <a:fontRef idx="minor">
+              <a:schemeClr val="lt1"/>
+            </a:fontRef>
+          </p:style>
+          <p:txBody>
+            <a:bodyPr rtlCol="0" anchor="ctr"/>
+            <a:lstStyle/>
+            <a:p>
+              <a:pPr algn="ctr"/>
+              <a:r>
+                <a:rPr lang="en-US" sz="2800" dirty="0" smtClean="0">
+                  <a:solidFill>
+                    <a:schemeClr val="tx1"/>
+                  </a:solidFill>
+                </a:rPr>
+                <a:t>0.8</a:t>
+              </a:r>
+              <a:endParaRPr lang="en-US" sz="2800" dirty="0">
+                <a:solidFill>
+                  <a:schemeClr val="tx1"/>
+                </a:solidFill>
+              </a:endParaRPr>
+            </a:p>
+          </p:txBody>
+        </p:sp>
+        <p:sp>
+          <p:nvSpPr>
+            <p:cNvPr id="21" name="TextBox 20"/>
+            <p:cNvSpPr txBox="1"/>
+            <p:nvPr/>
+          </p:nvSpPr>
+          <p:spPr>
+            <a:xfrm>
+              <a:off x="2746203" y="2123728"/>
+              <a:ext cx="1051955" cy="769441"/>
+            </a:xfrm>
+            <a:prstGeom prst="rect">
+              <a:avLst/>
+            </a:prstGeom>
+            <a:noFill/>
+          </p:spPr>
+          <p:txBody>
+            <a:bodyPr wrap="none" rtlCol="0">
+              <a:spAutoFit/>
+            </a:bodyPr>
+            <a:lstStyle/>
+            <a:p>
+              <a:r>
+                <a:rPr lang="en-US" sz="2200" dirty="0" smtClean="0"/>
+                <a:t>Grand-</a:t>
+              </a:r>
+            </a:p>
+            <a:p>
+              <a:r>
+                <a:rPr lang="en-US" sz="2200" dirty="0" smtClean="0"/>
+                <a:t>parents</a:t>
+              </a:r>
+              <a:endParaRPr lang="en-US" sz="2200" dirty="0"/>
+            </a:p>
+          </p:txBody>
+        </p:sp>
+        <p:sp>
+          <p:nvSpPr>
+            <p:cNvPr id="22" name="Oval 21"/>
+            <p:cNvSpPr/>
+            <p:nvPr/>
+          </p:nvSpPr>
+          <p:spPr>
+            <a:xfrm>
+              <a:off x="2766680" y="3050540"/>
+              <a:ext cx="1008112" cy="936104"/>
+            </a:xfrm>
+            <a:prstGeom prst="ellipse">
+              <a:avLst/>
+            </a:prstGeom>
+            <a:noFill/>
+            <a:ln>
+              <a:solidFill>
+                <a:srgbClr val="FF0000"/>
+              </a:solidFill>
+            </a:ln>
+          </p:spPr>
+          <p:style>
+            <a:lnRef idx="2">
+              <a:schemeClr val="accent1">
+                <a:shade val="50000"/>
+              </a:schemeClr>
+            </a:lnRef>
+            <a:fillRef idx="1">
+              <a:schemeClr val="accent1"/>
+            </a:fillRef>
+            <a:effectRef idx="0">
+              <a:schemeClr val="accent1"/>
+            </a:effectRef>
+            <a:fontRef idx="minor">
+              <a:schemeClr val="lt1"/>
+            </a:fontRef>
+          </p:style>
+          <p:txBody>
+            <a:bodyPr rtlCol="0" anchor="ctr"/>
+            <a:lstStyle/>
+            <a:p>
+              <a:pPr algn="ctr"/>
+              <a:r>
+                <a:rPr lang="en-US" sz="2800" dirty="0" smtClean="0">
+                  <a:solidFill>
+                    <a:schemeClr val="tx1"/>
+                  </a:solidFill>
+                </a:rPr>
+                <a:t>1.4</a:t>
+              </a:r>
+              <a:endParaRPr lang="en-US" sz="2800" dirty="0">
+                <a:solidFill>
+                  <a:schemeClr val="tx1"/>
+                </a:solidFill>
+              </a:endParaRPr>
+            </a:p>
+          </p:txBody>
+        </p:sp>
+        <p:sp>
+          <p:nvSpPr>
+            <p:cNvPr id="23" name="TextBox 22"/>
+            <p:cNvSpPr txBox="1"/>
+            <p:nvPr/>
+          </p:nvSpPr>
+          <p:spPr>
+            <a:xfrm>
+              <a:off x="2750704" y="3986644"/>
+              <a:ext cx="1044260" cy="430887"/>
+            </a:xfrm>
+            <a:prstGeom prst="rect">
+              <a:avLst/>
+            </a:prstGeom>
+            <a:noFill/>
+          </p:spPr>
+          <p:txBody>
+            <a:bodyPr wrap="none" rtlCol="0">
+              <a:spAutoFit/>
+            </a:bodyPr>
+            <a:lstStyle/>
+            <a:p>
+              <a:r>
+                <a:rPr lang="en-US" sz="2200" dirty="0" smtClean="0"/>
+                <a:t>Parents</a:t>
+              </a:r>
+              <a:endParaRPr lang="en-US" sz="2200" dirty="0"/>
+            </a:p>
+          </p:txBody>
+        </p:sp>
+        <p:sp>
+          <p:nvSpPr>
+            <p:cNvPr id="26" name="Oval 25"/>
+            <p:cNvSpPr/>
+            <p:nvPr/>
+          </p:nvSpPr>
+          <p:spPr>
+            <a:xfrm>
+              <a:off x="1412776" y="3050540"/>
+              <a:ext cx="1008112" cy="936104"/>
+            </a:xfrm>
+            <a:prstGeom prst="ellipse">
+              <a:avLst/>
+            </a:prstGeom>
+            <a:noFill/>
+            <a:ln>
+              <a:solidFill>
+                <a:srgbClr val="FF0000"/>
+              </a:solidFill>
+            </a:ln>
+          </p:spPr>
+          <p:style>
+            <a:lnRef idx="2">
+              <a:schemeClr val="accent1">
+                <a:shade val="50000"/>
+              </a:schemeClr>
+            </a:lnRef>
+            <a:fillRef idx="1">
+              <a:schemeClr val="accent1"/>
+            </a:fillRef>
+            <a:effectRef idx="0">
+              <a:schemeClr val="accent1"/>
+            </a:effectRef>
+            <a:fontRef idx="minor">
+              <a:schemeClr val="lt1"/>
+            </a:fontRef>
+          </p:style>
+          <p:txBody>
+            <a:bodyPr rtlCol="0" anchor="ctr"/>
+            <a:lstStyle/>
+            <a:p>
+              <a:pPr algn="ctr"/>
+              <a:r>
+                <a:rPr lang="en-US" sz="2800" dirty="0" smtClean="0">
+                  <a:solidFill>
+                    <a:schemeClr val="tx1"/>
+                  </a:solidFill>
+                </a:rPr>
+                <a:t>0.8</a:t>
+              </a:r>
+              <a:endParaRPr lang="en-US" sz="2800" dirty="0">
+                <a:solidFill>
+                  <a:schemeClr val="tx1"/>
+                </a:solidFill>
+              </a:endParaRPr>
+            </a:p>
+          </p:txBody>
+        </p:sp>
+        <p:sp>
+          <p:nvSpPr>
+            <p:cNvPr id="27" name="TextBox 26"/>
+            <p:cNvSpPr txBox="1"/>
+            <p:nvPr/>
+          </p:nvSpPr>
+          <p:spPr>
+            <a:xfrm>
+              <a:off x="1453695" y="4047077"/>
+              <a:ext cx="914033" cy="769441"/>
+            </a:xfrm>
+            <a:prstGeom prst="rect">
+              <a:avLst/>
+            </a:prstGeom>
+            <a:noFill/>
+          </p:spPr>
+          <p:txBody>
+            <a:bodyPr wrap="none" rtlCol="0">
+              <a:spAutoFit/>
+            </a:bodyPr>
+            <a:lstStyle/>
+            <a:p>
+              <a:pPr algn="ctr"/>
+              <a:r>
+                <a:rPr lang="en-US" sz="2200" dirty="0" smtClean="0"/>
+                <a:t>Older </a:t>
+              </a:r>
+            </a:p>
+            <a:p>
+              <a:pPr algn="ctr"/>
+              <a:r>
+                <a:rPr lang="en-US" sz="2200" dirty="0" smtClean="0"/>
+                <a:t>uncles</a:t>
+              </a:r>
+              <a:endParaRPr lang="en-US" sz="2200" dirty="0"/>
+            </a:p>
+          </p:txBody>
+        </p:sp>
+        <p:sp>
+          <p:nvSpPr>
+            <p:cNvPr id="28" name="Oval 27"/>
+            <p:cNvSpPr/>
+            <p:nvPr/>
+          </p:nvSpPr>
+          <p:spPr>
+            <a:xfrm>
+              <a:off x="4226943" y="3050540"/>
+              <a:ext cx="1008112" cy="936104"/>
+            </a:xfrm>
+            <a:prstGeom prst="ellipse">
+              <a:avLst/>
+            </a:prstGeom>
+            <a:noFill/>
+            <a:ln>
+              <a:solidFill>
+                <a:srgbClr val="FF0000"/>
               </a:solidFill>
             </a:ln>
           </p:spPr>
@@ -4253,49 +5096,13 @@
         </p:sp>
         <p:sp>
           <p:nvSpPr>
-            <p:cNvPr id="21" name="TextBox 20"/>
-            <p:cNvSpPr txBox="1"/>
+            <p:cNvPr id="30" name="Oval 29"/>
+            <p:cNvSpPr/>
             <p:nvPr/>
           </p:nvSpPr>
           <p:spPr>
             <a:xfrm>
-              <a:off x="2746203" y="2123728"/>
-              <a:ext cx="1040670" cy="769441"/>
-            </a:xfrm>
-            <a:prstGeom prst="rect">
-              <a:avLst/>
-            </a:prstGeom>
-            <a:noFill/>
-          </p:spPr>
-          <p:txBody>
-            <a:bodyPr wrap="none" rtlCol="0">
-              <a:spAutoFit/>
-            </a:bodyPr>
-            <a:lstStyle/>
-            <a:p>
-              <a:r>
-                <a:rPr lang="en-US" sz="2200" dirty="0" smtClean="0"/>
-                <a:t>Grand-</a:t>
-              </a:r>
-            </a:p>
-            <a:p>
-              <a:r>
-                <a:rPr lang="en-US" sz="2200" dirty="0" smtClean="0"/>
-                <a:t>mother</a:t>
-              </a:r>
-              <a:endParaRPr lang="en-US" sz="2200" dirty="0"/>
-            </a:p>
-          </p:txBody>
-        </p:sp>
-        <p:sp>
-          <p:nvSpPr>
-            <p:cNvPr id="22" name="Oval 21"/>
-            <p:cNvSpPr/>
-            <p:nvPr/>
-          </p:nvSpPr>
-          <p:spPr>
-            <a:xfrm>
-              <a:off x="2766680" y="3050540"/>
+              <a:off x="1298649" y="4845899"/>
               <a:ext cx="1008112" cy="936104"/>
             </a:xfrm>
             <a:prstGeom prst="ellipse">
@@ -4304,7 +5111,7 @@
             <a:noFill/>
             <a:ln>
               <a:solidFill>
-                <a:schemeClr val="tx1"/>
+                <a:srgbClr val="FF0000"/>
               </a:solidFill>
             </a:ln>
           </p:spPr>
@@ -4335,253 +5142,7 @@
                     <a:schemeClr val="tx1"/>
                   </a:solidFill>
                 </a:rPr>
-                <a:t>0.6</a:t>
-              </a:r>
-              <a:endParaRPr lang="en-US" sz="2800" dirty="0">
-                <a:solidFill>
-                  <a:schemeClr val="tx1"/>
-                </a:solidFill>
-              </a:endParaRPr>
-            </a:p>
-          </p:txBody>
-        </p:sp>
-        <p:sp>
-          <p:nvSpPr>
-            <p:cNvPr id="23" name="TextBox 22"/>
-            <p:cNvSpPr txBox="1"/>
-            <p:nvPr/>
-          </p:nvSpPr>
-          <p:spPr>
-            <a:xfrm>
-              <a:off x="2738004" y="3986644"/>
-              <a:ext cx="1055097" cy="430887"/>
-            </a:xfrm>
-            <a:prstGeom prst="rect">
-              <a:avLst/>
-            </a:prstGeom>
-            <a:noFill/>
-          </p:spPr>
-          <p:txBody>
-            <a:bodyPr wrap="none" rtlCol="0">
-              <a:spAutoFit/>
-            </a:bodyPr>
-            <a:lstStyle/>
-            <a:p>
-              <a:r>
-                <a:rPr lang="en-US" sz="2200" dirty="0" smtClean="0"/>
-                <a:t>Mother</a:t>
-              </a:r>
-              <a:endParaRPr lang="en-US" sz="2200" dirty="0"/>
-            </a:p>
-          </p:txBody>
-        </p:sp>
-        <p:sp>
-          <p:nvSpPr>
-            <p:cNvPr id="26" name="Oval 25"/>
-            <p:cNvSpPr/>
-            <p:nvPr/>
-          </p:nvSpPr>
-          <p:spPr>
-            <a:xfrm>
-              <a:off x="1412776" y="3050540"/>
-              <a:ext cx="1008112" cy="936104"/>
-            </a:xfrm>
-            <a:prstGeom prst="ellipse">
-              <a:avLst/>
-            </a:prstGeom>
-            <a:noFill/>
-            <a:ln>
-              <a:solidFill>
-                <a:schemeClr val="tx1"/>
-              </a:solidFill>
-            </a:ln>
-          </p:spPr>
-          <p:style>
-            <a:lnRef idx="2">
-              <a:schemeClr val="accent1">
-                <a:shade val="50000"/>
-              </a:schemeClr>
-            </a:lnRef>
-            <a:fillRef idx="1">
-              <a:schemeClr val="accent1"/>
-            </a:fillRef>
-            <a:effectRef idx="0">
-              <a:schemeClr val="accent1"/>
-            </a:effectRef>
-            <a:fontRef idx="minor">
-              <a:schemeClr val="lt1"/>
-            </a:fontRef>
-          </p:style>
-          <p:txBody>
-            <a:bodyPr rtlCol="0" anchor="ctr"/>
-            <a:lstStyle/>
-            <a:p>
-              <a:pPr algn="ctr"/>
-              <a:r>
-                <a:rPr lang="en-US" sz="2800" dirty="0" smtClean="0">
-                  <a:solidFill>
-                    <a:schemeClr val="tx1"/>
-                  </a:solidFill>
-                </a:rPr>
-                <a:t>1.3</a:t>
-              </a:r>
-              <a:endParaRPr lang="en-US" sz="2800" dirty="0">
-                <a:solidFill>
-                  <a:schemeClr val="tx1"/>
-                </a:solidFill>
-              </a:endParaRPr>
-            </a:p>
-          </p:txBody>
-        </p:sp>
-        <p:sp>
-          <p:nvSpPr>
-            <p:cNvPr id="27" name="TextBox 26"/>
-            <p:cNvSpPr txBox="1"/>
-            <p:nvPr/>
-          </p:nvSpPr>
-          <p:spPr>
-            <a:xfrm>
-              <a:off x="1467321" y="4047077"/>
-              <a:ext cx="886781" cy="769441"/>
-            </a:xfrm>
-            <a:prstGeom prst="rect">
-              <a:avLst/>
-            </a:prstGeom>
-            <a:noFill/>
-          </p:spPr>
-          <p:txBody>
-            <a:bodyPr wrap="none" rtlCol="0">
-              <a:spAutoFit/>
-            </a:bodyPr>
-            <a:lstStyle/>
-            <a:p>
-              <a:pPr algn="ctr"/>
-              <a:r>
-                <a:rPr lang="en-US" sz="2200" dirty="0" smtClean="0"/>
-                <a:t>Older </a:t>
-              </a:r>
-            </a:p>
-            <a:p>
-              <a:pPr algn="ctr"/>
-              <a:r>
-                <a:rPr lang="en-US" sz="2200" dirty="0"/>
-                <a:t>a</a:t>
-              </a:r>
-              <a:r>
-                <a:rPr lang="en-US" sz="2200" dirty="0" smtClean="0"/>
-                <a:t>unts</a:t>
-              </a:r>
-              <a:endParaRPr lang="en-US" sz="2200" dirty="0"/>
-            </a:p>
-          </p:txBody>
-        </p:sp>
-        <p:sp>
-          <p:nvSpPr>
-            <p:cNvPr id="28" name="Oval 27"/>
-            <p:cNvSpPr/>
-            <p:nvPr/>
-          </p:nvSpPr>
-          <p:spPr>
-            <a:xfrm>
-              <a:off x="4226943" y="3050540"/>
-              <a:ext cx="1008112" cy="936104"/>
-            </a:xfrm>
-            <a:prstGeom prst="ellipse">
-              <a:avLst/>
-            </a:prstGeom>
-            <a:noFill/>
-            <a:ln>
-              <a:solidFill>
-                <a:schemeClr val="tx1"/>
-              </a:solidFill>
-            </a:ln>
-          </p:spPr>
-          <p:style>
-            <a:lnRef idx="2">
-              <a:schemeClr val="accent1">
-                <a:shade val="50000"/>
-              </a:schemeClr>
-            </a:lnRef>
-            <a:fillRef idx="1">
-              <a:schemeClr val="accent1"/>
-            </a:fillRef>
-            <a:effectRef idx="0">
-              <a:schemeClr val="accent1"/>
-            </a:effectRef>
-            <a:fontRef idx="minor">
-              <a:schemeClr val="lt1"/>
-            </a:fontRef>
-          </p:style>
-          <p:txBody>
-            <a:bodyPr rtlCol="0" anchor="ctr"/>
-            <a:lstStyle/>
-            <a:p>
-              <a:pPr algn="ctr"/>
-              <a:r>
-                <a:rPr lang="en-US" sz="2800" dirty="0" smtClean="0">
-                  <a:solidFill>
-                    <a:schemeClr val="tx1"/>
-                  </a:solidFill>
-                </a:rPr>
-                <a:t>1.5</a:t>
-              </a:r>
-              <a:endParaRPr lang="en-US" sz="2800" dirty="0">
-                <a:solidFill>
-                  <a:schemeClr val="tx1"/>
-                </a:solidFill>
-              </a:endParaRPr>
-            </a:p>
-          </p:txBody>
-        </p:sp>
-        <p:sp>
-          <p:nvSpPr>
-            <p:cNvPr id="30" name="Oval 29"/>
-            <p:cNvSpPr/>
-            <p:nvPr/>
-          </p:nvSpPr>
-          <p:spPr>
-            <a:xfrm>
-              <a:off x="1298649" y="4845899"/>
-              <a:ext cx="1008112" cy="936104"/>
-            </a:xfrm>
-            <a:prstGeom prst="ellipse">
-              <a:avLst/>
-            </a:prstGeom>
-            <a:noFill/>
-            <a:ln>
-              <a:solidFill>
-                <a:schemeClr val="tx1"/>
-              </a:solidFill>
-            </a:ln>
-          </p:spPr>
-          <p:style>
-            <a:lnRef idx="2">
-              <a:schemeClr val="accent1">
-                <a:shade val="50000"/>
-              </a:schemeClr>
-            </a:lnRef>
-            <a:fillRef idx="1">
-              <a:schemeClr val="accent1"/>
-            </a:fillRef>
-            <a:effectRef idx="0">
-              <a:schemeClr val="accent1"/>
-            </a:effectRef>
-            <a:fontRef idx="minor">
-              <a:schemeClr val="lt1"/>
-            </a:fontRef>
-          </p:style>
-          <p:txBody>
-            <a:bodyPr rtlCol="0" anchor="ctr"/>
-            <a:lstStyle/>
-            <a:p>
-              <a:pPr algn="ctr"/>
-              <a:r>
-                <a:rPr lang="en-US" sz="2800" dirty="0" smtClean="0">
-                  <a:solidFill>
-                    <a:schemeClr val="tx1"/>
-                  </a:solidFill>
-                </a:rPr>
-                <a:t>0.2</a:t>
+                <a:t>0.1</a:t>
               </a:r>
               <a:endParaRPr lang="en-US" sz="2800" dirty="0">
                 <a:solidFill>
@@ -4599,8 +5160,8 @@
           </p:nvSpPr>
           <p:spPr>
             <a:xfrm>
-              <a:off x="1086645" y="5782003"/>
-              <a:ext cx="1605183" cy="430887"/>
+              <a:off x="1023145" y="5782003"/>
+              <a:ext cx="1728358" cy="430887"/>
             </a:xfrm>
             <a:prstGeom prst="rect">
               <a:avLst/>
@@ -4615,7 +5176,11 @@
             <a:p>
               <a:r>
                 <a:rPr lang="en-US" sz="2200" dirty="0" smtClean="0"/>
-                <a:t>Older sisters</a:t>
+                <a:t>Older </a:t>
+              </a:r>
+              <a:r>
+                <a:rPr lang="en-US" sz="2200" dirty="0" smtClean="0"/>
+                <a:t>siblings</a:t>
               </a:r>
               <a:endParaRPr lang="en-US" sz="2200" dirty="0"/>
             </a:p>
@@ -4687,8 +5252,8 @@
           </p:nvSpPr>
           <p:spPr>
             <a:xfrm>
-              <a:off x="3794558" y="5782003"/>
-              <a:ext cx="1897507" cy="430887"/>
+              <a:off x="3742432" y="5782003"/>
+              <a:ext cx="2020681" cy="430887"/>
             </a:xfrm>
             <a:prstGeom prst="rect">
               <a:avLst/>
@@ -4703,7 +5268,11 @@
             <a:p>
               <a:r>
                 <a:rPr lang="en-US" sz="2200" dirty="0" smtClean="0"/>
-                <a:t>Younger sisters</a:t>
+                <a:t>Younger </a:t>
+              </a:r>
+              <a:r>
+                <a:rPr lang="en-US" sz="2200" dirty="0"/>
+                <a:t>siblings</a:t>
               </a:r>
               <a:endParaRPr lang="en-US" sz="2200" dirty="0"/>
             </a:p>
@@ -4726,7 +5295,7 @@
             <a:noFill/>
             <a:ln>
               <a:solidFill>
-                <a:schemeClr val="tx1"/>
+                <a:srgbClr val="FF0000"/>
               </a:solidFill>
             </a:ln>
           </p:spPr>
@@ -4757,7 +5326,7 @@
                     <a:schemeClr val="tx1"/>
                   </a:solidFill>
                 </a:rPr>
-                <a:t>3.1</a:t>
+                <a:t>2.8</a:t>
               </a:r>
               <a:endParaRPr lang="en-US" sz="2800" dirty="0">
                 <a:solidFill>
@@ -4828,12 +5397,8 @@
             <a:p>
               <a:pPr algn="ctr"/>
               <a:r>
-                <a:rPr lang="en-US" sz="2200" dirty="0"/>
-                <a:t>a</a:t>
-              </a:r>
-              <a:r>
                 <a:rPr lang="en-US" sz="2200" dirty="0" smtClean="0"/>
-                <a:t>unts</a:t>
+                <a:t>uncles</a:t>
               </a:r>
               <a:endParaRPr lang="en-US" sz="2200" dirty="0"/>
             </a:p>
@@ -4963,8 +5528,8 @@
           </p:nvSpPr>
           <p:spPr>
             <a:xfrm>
-              <a:off x="4257147" y="7443028"/>
-              <a:ext cx="942887" cy="430887"/>
+              <a:off x="4101977" y="7443028"/>
+              <a:ext cx="1253228" cy="430887"/>
             </a:xfrm>
             <a:prstGeom prst="rect">
               <a:avLst/>
@@ -4979,8 +5544,8 @@
             <a:p>
               <a:pPr algn="ctr"/>
               <a:r>
-                <a:rPr lang="en-US" sz="2200" dirty="0" smtClean="0"/>
-                <a:t>Nieces</a:t>
+                <a:rPr lang="en-US" sz="2200" dirty="0"/>
+                <a:t>Nephews</a:t>
               </a:r>
               <a:endParaRPr lang="en-US" sz="2200" dirty="0"/>
             </a:p>
@@ -5003,1553 +5568,7 @@
             <a:noFill/>
             <a:ln>
               <a:solidFill>
-                <a:schemeClr val="tx1"/>
-              </a:solidFill>
-            </a:ln>
-          </p:spPr>
-          <p:style>
-            <a:lnRef idx="2">
-              <a:schemeClr val="accent1">
-                <a:shade val="50000"/>
-              </a:schemeClr>
-            </a:lnRef>
-            <a:fillRef idx="1">
-              <a:schemeClr val="accent1"/>
-            </a:fillRef>
-            <a:effectRef idx="0">
-              <a:schemeClr val="accent1"/>
-            </a:effectRef>
-            <a:fontRef idx="minor">
-              <a:schemeClr val="lt1"/>
-            </a:fontRef>
-          </p:style>
-          <p:txBody>
-            <a:bodyPr rtlCol="0" anchor="ctr"/>
-            <a:lstStyle/>
-            <a:p>
-              <a:pPr algn="ctr"/>
-              <a:r>
-                <a:rPr lang="en-US" sz="2800" dirty="0" smtClean="0">
-                  <a:solidFill>
-                    <a:schemeClr val="tx1"/>
-                  </a:solidFill>
-                </a:rPr>
-                <a:t>2.8</a:t>
-              </a:r>
-              <a:endParaRPr lang="en-US" sz="2800" dirty="0">
-                <a:solidFill>
-                  <a:schemeClr val="tx1"/>
-                </a:solidFill>
-              </a:endParaRPr>
-            </a:p>
-          </p:txBody>
-        </p:sp>
-        <p:sp>
-          <p:nvSpPr>
-            <p:cNvPr id="42" name="TextBox 41"/>
-            <p:cNvSpPr txBox="1"/>
-            <p:nvPr/>
-          </p:nvSpPr>
-          <p:spPr>
-            <a:xfrm>
-              <a:off x="5733256" y="5782003"/>
-              <a:ext cx="1064715" cy="430887"/>
-            </a:xfrm>
-            <a:prstGeom prst="rect">
-              <a:avLst/>
-            </a:prstGeom>
-            <a:noFill/>
-          </p:spPr>
-          <p:txBody>
-            <a:bodyPr wrap="none" rtlCol="0">
-              <a:spAutoFit/>
-            </a:bodyPr>
-            <a:lstStyle/>
-            <a:p>
-              <a:r>
-                <a:rPr lang="en-US" sz="2200" dirty="0" smtClean="0"/>
-                <a:t>Cousins</a:t>
-              </a:r>
-              <a:endParaRPr lang="en-US" sz="2200" dirty="0"/>
-            </a:p>
-          </p:txBody>
-        </p:sp>
-        <p:sp>
-          <p:nvSpPr>
-            <p:cNvPr id="43" name="TextBox 42"/>
-            <p:cNvSpPr txBox="1"/>
-            <p:nvPr/>
-          </p:nvSpPr>
-          <p:spPr>
-            <a:xfrm>
-              <a:off x="1394861" y="7489194"/>
-              <a:ext cx="942887" cy="430887"/>
-            </a:xfrm>
-            <a:prstGeom prst="rect">
-              <a:avLst/>
-            </a:prstGeom>
-            <a:noFill/>
-          </p:spPr>
-          <p:txBody>
-            <a:bodyPr wrap="none" rtlCol="0">
-              <a:spAutoFit/>
-            </a:bodyPr>
-            <a:lstStyle/>
-            <a:p>
-              <a:pPr algn="ctr"/>
-              <a:r>
-                <a:rPr lang="en-US" sz="2200" dirty="0" smtClean="0"/>
-                <a:t>Nieces</a:t>
-              </a:r>
-              <a:endParaRPr lang="en-US" sz="2200" dirty="0"/>
-            </a:p>
-          </p:txBody>
-        </p:sp>
-        <p:cxnSp>
-          <p:nvCxnSpPr>
-            <p:cNvPr id="3" name="Straight Connector 2"/>
-            <p:cNvCxnSpPr>
-              <a:stCxn id="21" idx="2"/>
-              <a:endCxn id="22" idx="0"/>
-            </p:cNvCxnSpPr>
-            <p:nvPr/>
-          </p:nvCxnSpPr>
-          <p:spPr>
-            <a:xfrm>
-              <a:off x="3266538" y="2893169"/>
-              <a:ext cx="4198" cy="157371"/>
-            </a:xfrm>
-            <a:prstGeom prst="line">
-              <a:avLst/>
-            </a:prstGeom>
-            <a:ln>
-              <a:solidFill>
-                <a:schemeClr val="tx1"/>
-              </a:solidFill>
-            </a:ln>
-          </p:spPr>
-          <p:style>
-            <a:lnRef idx="1">
-              <a:schemeClr val="accent1"/>
-            </a:lnRef>
-            <a:fillRef idx="0">
-              <a:schemeClr val="accent1"/>
-            </a:fillRef>
-            <a:effectRef idx="0">
-              <a:schemeClr val="accent1"/>
-            </a:effectRef>
-            <a:fontRef idx="minor">
-              <a:schemeClr val="tx1"/>
-            </a:fontRef>
-          </p:style>
-        </p:cxnSp>
-        <p:cxnSp>
-          <p:nvCxnSpPr>
-            <p:cNvPr id="5" name="Straight Connector 4"/>
-            <p:cNvCxnSpPr>
-              <a:stCxn id="23" idx="2"/>
-              <a:endCxn id="14" idx="0"/>
-            </p:cNvCxnSpPr>
-            <p:nvPr/>
-          </p:nvCxnSpPr>
-          <p:spPr>
-            <a:xfrm>
-              <a:off x="3265553" y="4417531"/>
-              <a:ext cx="5183" cy="433209"/>
-            </a:xfrm>
-            <a:prstGeom prst="line">
-              <a:avLst/>
-            </a:prstGeom>
-            <a:ln>
-              <a:solidFill>
-                <a:schemeClr val="tx1"/>
-              </a:solidFill>
-            </a:ln>
-          </p:spPr>
-          <p:style>
-            <a:lnRef idx="1">
-              <a:schemeClr val="accent1"/>
-            </a:lnRef>
-            <a:fillRef idx="0">
-              <a:schemeClr val="accent1"/>
-            </a:fillRef>
-            <a:effectRef idx="0">
-              <a:schemeClr val="accent1"/>
-            </a:effectRef>
-            <a:fontRef idx="minor">
-              <a:schemeClr val="tx1"/>
-            </a:fontRef>
-          </p:style>
-        </p:cxnSp>
-        <p:cxnSp>
-          <p:nvCxnSpPr>
-            <p:cNvPr id="7" name="Straight Connector 6"/>
-            <p:cNvCxnSpPr>
-              <a:stCxn id="15" idx="2"/>
-              <a:endCxn id="16" idx="0"/>
-            </p:cNvCxnSpPr>
-            <p:nvPr/>
-          </p:nvCxnSpPr>
-          <p:spPr>
-            <a:xfrm>
-              <a:off x="3310234" y="6217731"/>
-              <a:ext cx="6802" cy="289193"/>
-            </a:xfrm>
-            <a:prstGeom prst="line">
-              <a:avLst/>
-            </a:prstGeom>
-            <a:ln>
-              <a:solidFill>
-                <a:schemeClr val="tx1"/>
-              </a:solidFill>
-            </a:ln>
-          </p:spPr>
-          <p:style>
-            <a:lnRef idx="1">
-              <a:schemeClr val="accent1"/>
-            </a:lnRef>
-            <a:fillRef idx="0">
-              <a:schemeClr val="accent1"/>
-            </a:fillRef>
-            <a:effectRef idx="0">
-              <a:schemeClr val="accent1"/>
-            </a:effectRef>
-            <a:fontRef idx="minor">
-              <a:schemeClr val="tx1"/>
-            </a:fontRef>
-          </p:style>
-        </p:cxnSp>
-        <p:cxnSp>
-          <p:nvCxnSpPr>
-            <p:cNvPr id="9" name="Straight Connector 8"/>
-            <p:cNvCxnSpPr>
-              <a:stCxn id="20" idx="5"/>
-              <a:endCxn id="28" idx="1"/>
-            </p:cNvCxnSpPr>
-            <p:nvPr/>
-          </p:nvCxnSpPr>
-          <p:spPr>
-            <a:xfrm>
-              <a:off x="3613024" y="2058647"/>
-              <a:ext cx="761554" cy="1128982"/>
-            </a:xfrm>
-            <a:prstGeom prst="line">
-              <a:avLst/>
-            </a:prstGeom>
-            <a:ln>
-              <a:solidFill>
-                <a:schemeClr val="tx1"/>
-              </a:solidFill>
-            </a:ln>
-          </p:spPr>
-          <p:style>
-            <a:lnRef idx="1">
-              <a:schemeClr val="accent1"/>
-            </a:lnRef>
-            <a:fillRef idx="0">
-              <a:schemeClr val="accent1"/>
-            </a:fillRef>
-            <a:effectRef idx="0">
-              <a:schemeClr val="accent1"/>
-            </a:effectRef>
-            <a:fontRef idx="minor">
-              <a:schemeClr val="tx1"/>
-            </a:fontRef>
-          </p:style>
-        </p:cxnSp>
-        <p:cxnSp>
-          <p:nvCxnSpPr>
-            <p:cNvPr id="11" name="Straight Connector 10"/>
-            <p:cNvCxnSpPr>
-              <a:stCxn id="20" idx="3"/>
-              <a:endCxn id="26" idx="7"/>
-            </p:cNvCxnSpPr>
-            <p:nvPr/>
-          </p:nvCxnSpPr>
-          <p:spPr>
-            <a:xfrm flipH="1">
-              <a:off x="2273253" y="2058647"/>
-              <a:ext cx="626929" cy="1128982"/>
-            </a:xfrm>
-            <a:prstGeom prst="line">
-              <a:avLst/>
-            </a:prstGeom>
-            <a:ln>
-              <a:solidFill>
-                <a:schemeClr val="tx1"/>
-              </a:solidFill>
-            </a:ln>
-          </p:spPr>
-          <p:style>
-            <a:lnRef idx="1">
-              <a:schemeClr val="accent1"/>
-            </a:lnRef>
-            <a:fillRef idx="0">
-              <a:schemeClr val="accent1"/>
-            </a:fillRef>
-            <a:effectRef idx="0">
-              <a:schemeClr val="accent1"/>
-            </a:effectRef>
-            <a:fontRef idx="minor">
-              <a:schemeClr val="tx1"/>
-            </a:fontRef>
-          </p:style>
-        </p:cxnSp>
-        <p:cxnSp>
-          <p:nvCxnSpPr>
-            <p:cNvPr id="13" name="Straight Connector 12"/>
-            <p:cNvCxnSpPr>
-              <a:stCxn id="26" idx="3"/>
-              <a:endCxn id="34" idx="7"/>
-            </p:cNvCxnSpPr>
-            <p:nvPr/>
-          </p:nvCxnSpPr>
-          <p:spPr>
-            <a:xfrm flipH="1">
-              <a:off x="817905" y="3849555"/>
-              <a:ext cx="742506" cy="1138274"/>
-            </a:xfrm>
-            <a:prstGeom prst="line">
-              <a:avLst/>
-            </a:prstGeom>
-            <a:ln>
-              <a:solidFill>
-                <a:schemeClr val="tx1"/>
-              </a:solidFill>
-            </a:ln>
-          </p:spPr>
-          <p:style>
-            <a:lnRef idx="1">
-              <a:schemeClr val="accent1"/>
-            </a:lnRef>
-            <a:fillRef idx="0">
-              <a:schemeClr val="accent1"/>
-            </a:fillRef>
-            <a:effectRef idx="0">
-              <a:schemeClr val="accent1"/>
-            </a:effectRef>
-            <a:fontRef idx="minor">
-              <a:schemeClr val="tx1"/>
-            </a:fontRef>
-          </p:style>
-        </p:cxnSp>
-        <p:cxnSp>
-          <p:nvCxnSpPr>
-            <p:cNvPr id="19" name="Straight Connector 18"/>
-            <p:cNvCxnSpPr>
-              <a:stCxn id="28" idx="5"/>
-              <a:endCxn id="41" idx="1"/>
-            </p:cNvCxnSpPr>
-            <p:nvPr/>
-          </p:nvCxnSpPr>
-          <p:spPr>
-            <a:xfrm>
-              <a:off x="5087420" y="3849555"/>
-              <a:ext cx="759396" cy="1133433"/>
-            </a:xfrm>
-            <a:prstGeom prst="line">
-              <a:avLst/>
-            </a:prstGeom>
-            <a:ln>
-              <a:solidFill>
-                <a:schemeClr val="tx1"/>
-              </a:solidFill>
-            </a:ln>
-          </p:spPr>
-          <p:style>
-            <a:lnRef idx="1">
-              <a:schemeClr val="accent1"/>
-            </a:lnRef>
-            <a:fillRef idx="0">
-              <a:schemeClr val="accent1"/>
-            </a:fillRef>
-            <a:effectRef idx="0">
-              <a:schemeClr val="accent1"/>
-            </a:effectRef>
-            <a:fontRef idx="minor">
-              <a:schemeClr val="tx1"/>
-            </a:fontRef>
-          </p:style>
-        </p:cxnSp>
-        <p:cxnSp>
-          <p:nvCxnSpPr>
-            <p:cNvPr id="25" name="Straight Connector 24"/>
-            <p:cNvCxnSpPr>
-              <a:stCxn id="22" idx="5"/>
-              <a:endCxn id="32" idx="1"/>
-            </p:cNvCxnSpPr>
-            <p:nvPr/>
-          </p:nvCxnSpPr>
-          <p:spPr>
-            <a:xfrm>
-              <a:off x="3627157" y="3849555"/>
-              <a:ext cx="736737" cy="1133433"/>
-            </a:xfrm>
-            <a:prstGeom prst="line">
-              <a:avLst/>
-            </a:prstGeom>
-            <a:ln>
-              <a:solidFill>
-                <a:schemeClr val="tx1"/>
-              </a:solidFill>
-            </a:ln>
-          </p:spPr>
-          <p:style>
-            <a:lnRef idx="1">
-              <a:schemeClr val="accent1"/>
-            </a:lnRef>
-            <a:fillRef idx="0">
-              <a:schemeClr val="accent1"/>
-            </a:fillRef>
-            <a:effectRef idx="0">
-              <a:schemeClr val="accent1"/>
-            </a:effectRef>
-            <a:fontRef idx="minor">
-              <a:schemeClr val="tx1"/>
-            </a:fontRef>
-          </p:style>
-        </p:cxnSp>
-        <p:cxnSp>
-          <p:nvCxnSpPr>
-            <p:cNvPr id="38" name="Straight Connector 37"/>
-            <p:cNvCxnSpPr>
-              <a:stCxn id="22" idx="3"/>
-              <a:endCxn id="30" idx="7"/>
-            </p:cNvCxnSpPr>
-            <p:nvPr/>
-          </p:nvCxnSpPr>
-          <p:spPr>
-            <a:xfrm flipH="1">
-              <a:off x="2159126" y="3849555"/>
-              <a:ext cx="755189" cy="1133433"/>
-            </a:xfrm>
-            <a:prstGeom prst="line">
-              <a:avLst/>
-            </a:prstGeom>
-            <a:ln>
-              <a:solidFill>
-                <a:schemeClr val="tx1"/>
-              </a:solidFill>
-            </a:ln>
-          </p:spPr>
-          <p:style>
-            <a:lnRef idx="1">
-              <a:schemeClr val="accent1"/>
-            </a:lnRef>
-            <a:fillRef idx="0">
-              <a:schemeClr val="accent1"/>
-            </a:fillRef>
-            <a:effectRef idx="0">
-              <a:schemeClr val="accent1"/>
-            </a:effectRef>
-            <a:fontRef idx="minor">
-              <a:schemeClr val="tx1"/>
-            </a:fontRef>
-          </p:style>
-        </p:cxnSp>
-        <p:cxnSp>
-          <p:nvCxnSpPr>
-            <p:cNvPr id="45" name="Straight Connector 44"/>
-            <p:cNvCxnSpPr>
-              <a:stCxn id="31" idx="2"/>
-              <a:endCxn id="37" idx="0"/>
-            </p:cNvCxnSpPr>
-            <p:nvPr/>
-          </p:nvCxnSpPr>
-          <p:spPr>
-            <a:xfrm flipH="1">
-              <a:off x="1885338" y="6212890"/>
-              <a:ext cx="3899" cy="285811"/>
-            </a:xfrm>
-            <a:prstGeom prst="line">
-              <a:avLst/>
-            </a:prstGeom>
-            <a:ln>
-              <a:solidFill>
-                <a:schemeClr val="tx1"/>
-              </a:solidFill>
-            </a:ln>
-          </p:spPr>
-          <p:style>
-            <a:lnRef idx="1">
-              <a:schemeClr val="accent1"/>
-            </a:lnRef>
-            <a:fillRef idx="0">
-              <a:schemeClr val="accent1"/>
-            </a:fillRef>
-            <a:effectRef idx="0">
-              <a:schemeClr val="accent1"/>
-            </a:effectRef>
-            <a:fontRef idx="minor">
-              <a:schemeClr val="tx1"/>
-            </a:fontRef>
-          </p:style>
-        </p:cxnSp>
-        <p:cxnSp>
-          <p:nvCxnSpPr>
-            <p:cNvPr id="47" name="Straight Connector 46"/>
-            <p:cNvCxnSpPr>
-              <a:stCxn id="33" idx="2"/>
-              <a:endCxn id="39" idx="0"/>
-            </p:cNvCxnSpPr>
-            <p:nvPr/>
-          </p:nvCxnSpPr>
-          <p:spPr>
-            <a:xfrm>
-              <a:off x="4743312" y="6212890"/>
-              <a:ext cx="7540" cy="294034"/>
-            </a:xfrm>
-            <a:prstGeom prst="line">
-              <a:avLst/>
-            </a:prstGeom>
-            <a:ln>
-              <a:solidFill>
-                <a:schemeClr val="tx1"/>
-              </a:solidFill>
-            </a:ln>
-          </p:spPr>
-          <p:style>
-            <a:lnRef idx="1">
-              <a:schemeClr val="accent1"/>
-            </a:lnRef>
-            <a:fillRef idx="0">
-              <a:schemeClr val="accent1"/>
-            </a:fillRef>
-            <a:effectRef idx="0">
-              <a:schemeClr val="accent1"/>
-            </a:effectRef>
-            <a:fontRef idx="minor">
-              <a:schemeClr val="tx1"/>
-            </a:fontRef>
-          </p:style>
-        </p:cxnSp>
-      </p:grpSp>
-    </p:spTree>
-    <p:extLst>
-      <p:ext uri="{BB962C8B-B14F-4D97-AF65-F5344CB8AC3E}">
-        <p14:creationId xmlns:p14="http://schemas.microsoft.com/office/powerpoint/2010/main" val="4235465602"/>
-      </p:ext>
-    </p:extLst>
-  </p:cSld>
-  <p:clrMapOvr>
-    <a:masterClrMapping/>
-  </p:clrMapOvr>
-</p:sld>
-</file>
-
-<file path=ppt/slides/slide3.xml><?xml version="1.0" encoding="utf-8"?>
-<p:sld xmlns:a="http://schemas.openxmlformats.org/drawingml/2006/main" xmlns:r="http://schemas.openxmlformats.org/officeDocument/2006/relationships" xmlns:p="http://schemas.openxmlformats.org/presentationml/2006/main">
-  <p:cSld>
-    <p:spTree>
-      <p:nvGrpSpPr>
-        <p:cNvPr id="1" name=""/>
-        <p:cNvGrpSpPr/>
-        <p:nvPr/>
-      </p:nvGrpSpPr>
-      <p:grpSpPr>
-        <a:xfrm>
-          <a:off x="0" y="0"/>
-          <a:ext cx="0" cy="0"/>
-          <a:chOff x="0" y="0"/>
-          <a:chExt cx="0" cy="0"/>
-        </a:xfrm>
-      </p:grpSpPr>
-      <p:grpSp>
-        <p:nvGrpSpPr>
-          <p:cNvPr id="2" name="Group 1"/>
-          <p:cNvGrpSpPr/>
-          <p:nvPr/>
-        </p:nvGrpSpPr>
-        <p:grpSpPr>
-          <a:xfrm>
-            <a:off x="-42572" y="1259632"/>
-            <a:ext cx="6840543" cy="6660449"/>
-            <a:chOff x="-42572" y="1259632"/>
-            <a:chExt cx="6840543" cy="6660449"/>
-          </a:xfrm>
-        </p:grpSpPr>
-        <p:sp>
-          <p:nvSpPr>
-            <p:cNvPr id="14" name="Oval 13"/>
-            <p:cNvSpPr/>
-            <p:nvPr/>
-          </p:nvSpPr>
-          <p:spPr>
-            <a:xfrm>
-              <a:off x="2766680" y="4850740"/>
-              <a:ext cx="1008112" cy="936104"/>
-            </a:xfrm>
-            <a:prstGeom prst="ellipse">
-              <a:avLst/>
-            </a:prstGeom>
-            <a:noFill/>
-            <a:ln>
-              <a:solidFill>
-                <a:schemeClr val="tx1"/>
-              </a:solidFill>
-            </a:ln>
-          </p:spPr>
-          <p:style>
-            <a:lnRef idx="2">
-              <a:schemeClr val="accent1">
-                <a:shade val="50000"/>
-              </a:schemeClr>
-            </a:lnRef>
-            <a:fillRef idx="1">
-              <a:schemeClr val="accent1"/>
-            </a:fillRef>
-            <a:effectRef idx="0">
-              <a:schemeClr val="accent1"/>
-            </a:effectRef>
-            <a:fontRef idx="minor">
-              <a:schemeClr val="lt1"/>
-            </a:fontRef>
-          </p:style>
-          <p:txBody>
-            <a:bodyPr rtlCol="0" anchor="ctr"/>
-            <a:lstStyle/>
-            <a:p>
-              <a:pPr algn="ctr"/>
-              <a:r>
-                <a:rPr lang="en-US" sz="2800" b="1" dirty="0">
-                  <a:solidFill>
-                    <a:schemeClr val="tx1"/>
-                  </a:solidFill>
-                </a:rPr>
-                <a:t>1</a:t>
-              </a:r>
-              <a:endParaRPr lang="en-US" sz="2800" b="1" dirty="0">
-                <a:solidFill>
-                  <a:schemeClr val="tx1"/>
-                </a:solidFill>
-              </a:endParaRPr>
-            </a:p>
-          </p:txBody>
-        </p:sp>
-        <p:sp>
-          <p:nvSpPr>
-            <p:cNvPr id="15" name="TextBox 14"/>
-            <p:cNvSpPr txBox="1"/>
-            <p:nvPr/>
-          </p:nvSpPr>
-          <p:spPr>
-            <a:xfrm>
-              <a:off x="3007683" y="5786844"/>
-              <a:ext cx="605102" cy="430887"/>
-            </a:xfrm>
-            <a:prstGeom prst="rect">
-              <a:avLst/>
-            </a:prstGeom>
-            <a:noFill/>
-          </p:spPr>
-          <p:txBody>
-            <a:bodyPr wrap="none" rtlCol="0">
-              <a:spAutoFit/>
-            </a:bodyPr>
-            <a:lstStyle/>
-            <a:p>
-              <a:r>
-                <a:rPr lang="en-US" sz="2200" b="1" dirty="0" smtClean="0"/>
-                <a:t>Ego</a:t>
-              </a:r>
-              <a:endParaRPr lang="en-US" sz="2200" b="1" dirty="0"/>
-            </a:p>
-          </p:txBody>
-        </p:sp>
-        <p:sp>
-          <p:nvSpPr>
-            <p:cNvPr id="16" name="Oval 15"/>
-            <p:cNvSpPr/>
-            <p:nvPr/>
-          </p:nvSpPr>
-          <p:spPr>
-            <a:xfrm>
-              <a:off x="2812980" y="6506924"/>
-              <a:ext cx="1008112" cy="936104"/>
-            </a:xfrm>
-            <a:prstGeom prst="ellipse">
-              <a:avLst/>
-            </a:prstGeom>
-            <a:noFill/>
-            <a:ln>
-              <a:solidFill>
-                <a:schemeClr val="tx1"/>
-              </a:solidFill>
-            </a:ln>
-          </p:spPr>
-          <p:style>
-            <a:lnRef idx="2">
-              <a:schemeClr val="accent1">
-                <a:shade val="50000"/>
-              </a:schemeClr>
-            </a:lnRef>
-            <a:fillRef idx="1">
-              <a:schemeClr val="accent1"/>
-            </a:fillRef>
-            <a:effectRef idx="0">
-              <a:schemeClr val="accent1"/>
-            </a:effectRef>
-            <a:fontRef idx="minor">
-              <a:schemeClr val="lt1"/>
-            </a:fontRef>
-          </p:style>
-          <p:txBody>
-            <a:bodyPr rtlCol="0" anchor="ctr"/>
-            <a:lstStyle/>
-            <a:p>
-              <a:pPr algn="ctr"/>
-              <a:r>
-                <a:rPr lang="en-US" sz="2800" dirty="0" smtClean="0">
-                  <a:solidFill>
-                    <a:schemeClr val="tx1"/>
-                  </a:solidFill>
-                </a:rPr>
-                <a:t>0.3</a:t>
-              </a:r>
-            </a:p>
-          </p:txBody>
-        </p:sp>
-        <p:sp>
-          <p:nvSpPr>
-            <p:cNvPr id="17" name="TextBox 16"/>
-            <p:cNvSpPr txBox="1"/>
-            <p:nvPr/>
-          </p:nvSpPr>
-          <p:spPr>
-            <a:xfrm>
-              <a:off x="2776845" y="7443028"/>
-              <a:ext cx="1248227" cy="430887"/>
-            </a:xfrm>
-            <a:prstGeom prst="rect">
-              <a:avLst/>
-            </a:prstGeom>
-            <a:noFill/>
-          </p:spPr>
-          <p:txBody>
-            <a:bodyPr wrap="none" rtlCol="0">
-              <a:spAutoFit/>
-            </a:bodyPr>
-            <a:lstStyle/>
-            <a:p>
-              <a:r>
-                <a:rPr lang="en-US" sz="2200" dirty="0" smtClean="0"/>
-                <a:t>Daughter</a:t>
-              </a:r>
-              <a:endParaRPr lang="en-US" sz="2200" dirty="0"/>
-            </a:p>
-          </p:txBody>
-        </p:sp>
-        <p:sp>
-          <p:nvSpPr>
-            <p:cNvPr id="20" name="Oval 19"/>
-            <p:cNvSpPr/>
-            <p:nvPr/>
-          </p:nvSpPr>
-          <p:spPr>
-            <a:xfrm>
-              <a:off x="2752547" y="1259632"/>
-              <a:ext cx="1008112" cy="936104"/>
-            </a:xfrm>
-            <a:prstGeom prst="ellipse">
-              <a:avLst/>
-            </a:prstGeom>
-            <a:noFill/>
-            <a:ln>
-              <a:solidFill>
-                <a:schemeClr val="tx1"/>
-              </a:solidFill>
-            </a:ln>
-          </p:spPr>
-          <p:style>
-            <a:lnRef idx="2">
-              <a:schemeClr val="accent1">
-                <a:shade val="50000"/>
-              </a:schemeClr>
-            </a:lnRef>
-            <a:fillRef idx="1">
-              <a:schemeClr val="accent1"/>
-            </a:fillRef>
-            <a:effectRef idx="0">
-              <a:schemeClr val="accent1"/>
-            </a:effectRef>
-            <a:fontRef idx="minor">
-              <a:schemeClr val="lt1"/>
-            </a:fontRef>
-          </p:style>
-          <p:txBody>
-            <a:bodyPr rtlCol="0" anchor="ctr"/>
-            <a:lstStyle/>
-            <a:p>
-              <a:pPr algn="ctr"/>
-              <a:r>
-                <a:rPr lang="en-US" sz="2800" dirty="0" smtClean="0">
-                  <a:solidFill>
-                    <a:schemeClr val="tx1"/>
-                  </a:solidFill>
-                </a:rPr>
-                <a:t>0.8</a:t>
-              </a:r>
-              <a:endParaRPr lang="en-US" sz="2800" dirty="0">
-                <a:solidFill>
-                  <a:schemeClr val="tx1"/>
-                </a:solidFill>
-              </a:endParaRPr>
-            </a:p>
-          </p:txBody>
-        </p:sp>
-        <p:sp>
-          <p:nvSpPr>
-            <p:cNvPr id="21" name="TextBox 20"/>
-            <p:cNvSpPr txBox="1"/>
-            <p:nvPr/>
-          </p:nvSpPr>
-          <p:spPr>
-            <a:xfrm>
-              <a:off x="2746203" y="2123728"/>
-              <a:ext cx="1040670" cy="769441"/>
-            </a:xfrm>
-            <a:prstGeom prst="rect">
-              <a:avLst/>
-            </a:prstGeom>
-            <a:noFill/>
-          </p:spPr>
-          <p:txBody>
-            <a:bodyPr wrap="none" rtlCol="0">
-              <a:spAutoFit/>
-            </a:bodyPr>
-            <a:lstStyle/>
-            <a:p>
-              <a:r>
-                <a:rPr lang="en-US" sz="2200" dirty="0" smtClean="0"/>
-                <a:t>Grand-</a:t>
-              </a:r>
-            </a:p>
-            <a:p>
-              <a:r>
-                <a:rPr lang="en-US" sz="2200" dirty="0" smtClean="0"/>
-                <a:t>mother</a:t>
-              </a:r>
-              <a:endParaRPr lang="en-US" sz="2200" dirty="0"/>
-            </a:p>
-          </p:txBody>
-        </p:sp>
-        <p:sp>
-          <p:nvSpPr>
-            <p:cNvPr id="22" name="Oval 21"/>
-            <p:cNvSpPr/>
-            <p:nvPr/>
-          </p:nvSpPr>
-          <p:spPr>
-            <a:xfrm>
-              <a:off x="2766680" y="3050540"/>
-              <a:ext cx="1008112" cy="936104"/>
-            </a:xfrm>
-            <a:prstGeom prst="ellipse">
-              <a:avLst/>
-            </a:prstGeom>
-            <a:noFill/>
-            <a:ln>
-              <a:solidFill>
-                <a:schemeClr val="tx1"/>
-              </a:solidFill>
-            </a:ln>
-          </p:spPr>
-          <p:style>
-            <a:lnRef idx="2">
-              <a:schemeClr val="accent1">
-                <a:shade val="50000"/>
-              </a:schemeClr>
-            </a:lnRef>
-            <a:fillRef idx="1">
-              <a:schemeClr val="accent1"/>
-            </a:fillRef>
-            <a:effectRef idx="0">
-              <a:schemeClr val="accent1"/>
-            </a:effectRef>
-            <a:fontRef idx="minor">
-              <a:schemeClr val="lt1"/>
-            </a:fontRef>
-          </p:style>
-          <p:txBody>
-            <a:bodyPr rtlCol="0" anchor="ctr"/>
-            <a:lstStyle/>
-            <a:p>
-              <a:pPr algn="ctr"/>
-              <a:r>
-                <a:rPr lang="en-US" sz="2800" dirty="0" smtClean="0">
-                  <a:solidFill>
-                    <a:schemeClr val="tx1"/>
-                  </a:solidFill>
-                </a:rPr>
-                <a:t>0.4</a:t>
-              </a:r>
-              <a:endParaRPr lang="en-US" sz="2800" dirty="0">
-                <a:solidFill>
-                  <a:schemeClr val="tx1"/>
-                </a:solidFill>
-              </a:endParaRPr>
-            </a:p>
-          </p:txBody>
-        </p:sp>
-        <p:sp>
-          <p:nvSpPr>
-            <p:cNvPr id="23" name="TextBox 22"/>
-            <p:cNvSpPr txBox="1"/>
-            <p:nvPr/>
-          </p:nvSpPr>
-          <p:spPr>
-            <a:xfrm>
-              <a:off x="2738004" y="3986644"/>
-              <a:ext cx="1055097" cy="430887"/>
-            </a:xfrm>
-            <a:prstGeom prst="rect">
-              <a:avLst/>
-            </a:prstGeom>
-            <a:noFill/>
-          </p:spPr>
-          <p:txBody>
-            <a:bodyPr wrap="none" rtlCol="0">
-              <a:spAutoFit/>
-            </a:bodyPr>
-            <a:lstStyle/>
-            <a:p>
-              <a:r>
-                <a:rPr lang="en-US" sz="2200" dirty="0" smtClean="0"/>
-                <a:t>Mother</a:t>
-              </a:r>
-              <a:endParaRPr lang="en-US" sz="2200" dirty="0"/>
-            </a:p>
-          </p:txBody>
-        </p:sp>
-        <p:sp>
-          <p:nvSpPr>
-            <p:cNvPr id="26" name="Oval 25"/>
-            <p:cNvSpPr/>
-            <p:nvPr/>
-          </p:nvSpPr>
-          <p:spPr>
-            <a:xfrm>
-              <a:off x="1412776" y="3050540"/>
-              <a:ext cx="1008112" cy="936104"/>
-            </a:xfrm>
-            <a:prstGeom prst="ellipse">
-              <a:avLst/>
-            </a:prstGeom>
-            <a:noFill/>
-            <a:ln>
-              <a:solidFill>
-                <a:schemeClr val="tx1"/>
-              </a:solidFill>
-            </a:ln>
-          </p:spPr>
-          <p:style>
-            <a:lnRef idx="2">
-              <a:schemeClr val="accent1">
-                <a:shade val="50000"/>
-              </a:schemeClr>
-            </a:lnRef>
-            <a:fillRef idx="1">
-              <a:schemeClr val="accent1"/>
-            </a:fillRef>
-            <a:effectRef idx="0">
-              <a:schemeClr val="accent1"/>
-            </a:effectRef>
-            <a:fontRef idx="minor">
-              <a:schemeClr val="lt1"/>
-            </a:fontRef>
-          </p:style>
-          <p:txBody>
-            <a:bodyPr rtlCol="0" anchor="ctr"/>
-            <a:lstStyle/>
-            <a:p>
-              <a:pPr algn="ctr"/>
-              <a:r>
-                <a:rPr lang="en-US" sz="2800" dirty="0" smtClean="0">
-                  <a:solidFill>
-                    <a:schemeClr val="tx1"/>
-                  </a:solidFill>
-                </a:rPr>
-                <a:t>0.8</a:t>
-              </a:r>
-              <a:endParaRPr lang="en-US" sz="2800" dirty="0">
-                <a:solidFill>
-                  <a:schemeClr val="tx1"/>
-                </a:solidFill>
-              </a:endParaRPr>
-            </a:p>
-          </p:txBody>
-        </p:sp>
-        <p:sp>
-          <p:nvSpPr>
-            <p:cNvPr id="27" name="TextBox 26"/>
-            <p:cNvSpPr txBox="1"/>
-            <p:nvPr/>
-          </p:nvSpPr>
-          <p:spPr>
-            <a:xfrm>
-              <a:off x="1467321" y="4047077"/>
-              <a:ext cx="886781" cy="769441"/>
-            </a:xfrm>
-            <a:prstGeom prst="rect">
-              <a:avLst/>
-            </a:prstGeom>
-            <a:noFill/>
-          </p:spPr>
-          <p:txBody>
-            <a:bodyPr wrap="none" rtlCol="0">
-              <a:spAutoFit/>
-            </a:bodyPr>
-            <a:lstStyle/>
-            <a:p>
-              <a:pPr algn="ctr"/>
-              <a:r>
-                <a:rPr lang="en-US" sz="2200" dirty="0" smtClean="0"/>
-                <a:t>Older </a:t>
-              </a:r>
-            </a:p>
-            <a:p>
-              <a:pPr algn="ctr"/>
-              <a:r>
-                <a:rPr lang="en-US" sz="2200" dirty="0"/>
-                <a:t>a</a:t>
-              </a:r>
-              <a:r>
-                <a:rPr lang="en-US" sz="2200" dirty="0" smtClean="0"/>
-                <a:t>unts</a:t>
-              </a:r>
-              <a:endParaRPr lang="en-US" sz="2200" dirty="0"/>
-            </a:p>
-          </p:txBody>
-        </p:sp>
-        <p:sp>
-          <p:nvSpPr>
-            <p:cNvPr id="28" name="Oval 27"/>
-            <p:cNvSpPr/>
-            <p:nvPr/>
-          </p:nvSpPr>
-          <p:spPr>
-            <a:xfrm>
-              <a:off x="4226943" y="3050540"/>
-              <a:ext cx="1008112" cy="936104"/>
-            </a:xfrm>
-            <a:prstGeom prst="ellipse">
-              <a:avLst/>
-            </a:prstGeom>
-            <a:noFill/>
-            <a:ln>
-              <a:solidFill>
-                <a:schemeClr val="tx1"/>
-              </a:solidFill>
-            </a:ln>
-          </p:spPr>
-          <p:style>
-            <a:lnRef idx="2">
-              <a:schemeClr val="accent1">
-                <a:shade val="50000"/>
-              </a:schemeClr>
-            </a:lnRef>
-            <a:fillRef idx="1">
-              <a:schemeClr val="accent1"/>
-            </a:fillRef>
-            <a:effectRef idx="0">
-              <a:schemeClr val="accent1"/>
-            </a:effectRef>
-            <a:fontRef idx="minor">
-              <a:schemeClr val="lt1"/>
-            </a:fontRef>
-          </p:style>
-          <p:txBody>
-            <a:bodyPr rtlCol="0" anchor="ctr"/>
-            <a:lstStyle/>
-            <a:p>
-              <a:pPr algn="ctr"/>
-              <a:r>
-                <a:rPr lang="en-US" sz="2800" dirty="0" smtClean="0">
-                  <a:solidFill>
-                    <a:schemeClr val="tx1"/>
-                  </a:solidFill>
-                </a:rPr>
-                <a:t>1.2</a:t>
-              </a:r>
-              <a:endParaRPr lang="en-US" sz="2800" dirty="0">
-                <a:solidFill>
-                  <a:schemeClr val="tx1"/>
-                </a:solidFill>
-              </a:endParaRPr>
-            </a:p>
-          </p:txBody>
-        </p:sp>
-        <p:sp>
-          <p:nvSpPr>
-            <p:cNvPr id="30" name="Oval 29"/>
-            <p:cNvSpPr/>
-            <p:nvPr/>
-          </p:nvSpPr>
-          <p:spPr>
-            <a:xfrm>
-              <a:off x="1298649" y="4845899"/>
-              <a:ext cx="1008112" cy="936104"/>
-            </a:xfrm>
-            <a:prstGeom prst="ellipse">
-              <a:avLst/>
-            </a:prstGeom>
-            <a:noFill/>
-            <a:ln>
-              <a:solidFill>
-                <a:schemeClr val="tx1"/>
-              </a:solidFill>
-            </a:ln>
-          </p:spPr>
-          <p:style>
-            <a:lnRef idx="2">
-              <a:schemeClr val="accent1">
-                <a:shade val="50000"/>
-              </a:schemeClr>
-            </a:lnRef>
-            <a:fillRef idx="1">
-              <a:schemeClr val="accent1"/>
-            </a:fillRef>
-            <a:effectRef idx="0">
-              <a:schemeClr val="accent1"/>
-            </a:effectRef>
-            <a:fontRef idx="minor">
-              <a:schemeClr val="lt1"/>
-            </a:fontRef>
-          </p:style>
-          <p:txBody>
-            <a:bodyPr rtlCol="0" anchor="ctr"/>
-            <a:lstStyle/>
-            <a:p>
-              <a:pPr algn="ctr"/>
-              <a:r>
-                <a:rPr lang="en-US" sz="2800" dirty="0" smtClean="0">
-                  <a:solidFill>
-                    <a:schemeClr val="tx1"/>
-                  </a:solidFill>
-                </a:rPr>
-                <a:t>0.1</a:t>
-              </a:r>
-              <a:endParaRPr lang="en-US" sz="2800" dirty="0">
-                <a:solidFill>
-                  <a:schemeClr val="tx1"/>
-                </a:solidFill>
-              </a:endParaRPr>
-            </a:p>
-          </p:txBody>
-        </p:sp>
-        <p:sp>
-          <p:nvSpPr>
-            <p:cNvPr id="31" name="TextBox 30"/>
-            <p:cNvSpPr txBox="1"/>
-            <p:nvPr/>
-          </p:nvSpPr>
-          <p:spPr>
-            <a:xfrm>
-              <a:off x="1086645" y="5782003"/>
-              <a:ext cx="1605183" cy="430887"/>
-            </a:xfrm>
-            <a:prstGeom prst="rect">
-              <a:avLst/>
-            </a:prstGeom>
-            <a:noFill/>
-          </p:spPr>
-          <p:txBody>
-            <a:bodyPr wrap="none" rtlCol="0">
-              <a:spAutoFit/>
-            </a:bodyPr>
-            <a:lstStyle/>
-            <a:p>
-              <a:r>
-                <a:rPr lang="en-US" sz="2200" dirty="0" smtClean="0"/>
-                <a:t>Older sisters</a:t>
-              </a:r>
-              <a:endParaRPr lang="en-US" sz="2200" dirty="0"/>
-            </a:p>
-          </p:txBody>
-        </p:sp>
-        <p:sp>
-          <p:nvSpPr>
-            <p:cNvPr id="32" name="Oval 31"/>
-            <p:cNvSpPr/>
-            <p:nvPr/>
-          </p:nvSpPr>
-          <p:spPr>
-            <a:xfrm>
-              <a:off x="4216259" y="4845899"/>
-              <a:ext cx="1008112" cy="936104"/>
-            </a:xfrm>
-            <a:prstGeom prst="ellipse">
-              <a:avLst/>
-            </a:prstGeom>
-            <a:noFill/>
-            <a:ln>
-              <a:solidFill>
-                <a:schemeClr val="tx1"/>
-              </a:solidFill>
-            </a:ln>
-          </p:spPr>
-          <p:style>
-            <a:lnRef idx="2">
-              <a:schemeClr val="accent1">
-                <a:shade val="50000"/>
-              </a:schemeClr>
-            </a:lnRef>
-            <a:fillRef idx="1">
-              <a:schemeClr val="accent1"/>
-            </a:fillRef>
-            <a:effectRef idx="0">
-              <a:schemeClr val="accent1"/>
-            </a:effectRef>
-            <a:fontRef idx="minor">
-              <a:schemeClr val="lt1"/>
-            </a:fontRef>
-          </p:style>
-          <p:txBody>
-            <a:bodyPr rtlCol="0" anchor="ctr"/>
-            <a:lstStyle/>
-            <a:p>
-              <a:pPr algn="ctr"/>
-              <a:r>
-                <a:rPr lang="en-US" sz="2800" dirty="0" smtClean="0">
-                  <a:solidFill>
-                    <a:schemeClr val="tx1"/>
-                  </a:solidFill>
-                </a:rPr>
-                <a:t>0.5</a:t>
-              </a:r>
-              <a:endParaRPr lang="en-US" sz="2800" dirty="0">
-                <a:solidFill>
-                  <a:schemeClr val="tx1"/>
-                </a:solidFill>
-              </a:endParaRPr>
-            </a:p>
-          </p:txBody>
-        </p:sp>
-        <p:sp>
-          <p:nvSpPr>
-            <p:cNvPr id="33" name="TextBox 32"/>
-            <p:cNvSpPr txBox="1"/>
-            <p:nvPr/>
-          </p:nvSpPr>
-          <p:spPr>
-            <a:xfrm>
-              <a:off x="3794558" y="5782003"/>
-              <a:ext cx="1897507" cy="430887"/>
-            </a:xfrm>
-            <a:prstGeom prst="rect">
-              <a:avLst/>
-            </a:prstGeom>
-            <a:noFill/>
-          </p:spPr>
-          <p:txBody>
-            <a:bodyPr wrap="none" rtlCol="0">
-              <a:spAutoFit/>
-            </a:bodyPr>
-            <a:lstStyle/>
-            <a:p>
-              <a:r>
-                <a:rPr lang="en-US" sz="2200" dirty="0" smtClean="0"/>
-                <a:t>Younger sisters</a:t>
-              </a:r>
-              <a:endParaRPr lang="en-US" sz="2200" dirty="0"/>
-            </a:p>
-          </p:txBody>
-        </p:sp>
-        <p:sp>
-          <p:nvSpPr>
-            <p:cNvPr id="34" name="Oval 33"/>
-            <p:cNvSpPr/>
-            <p:nvPr/>
-          </p:nvSpPr>
-          <p:spPr>
-            <a:xfrm>
-              <a:off x="-42572" y="4850740"/>
-              <a:ext cx="1008112" cy="936104"/>
-            </a:xfrm>
-            <a:prstGeom prst="ellipse">
-              <a:avLst/>
-            </a:prstGeom>
-            <a:noFill/>
-            <a:ln>
-              <a:solidFill>
-                <a:schemeClr val="tx1"/>
-              </a:solidFill>
-            </a:ln>
-          </p:spPr>
-          <p:style>
-            <a:lnRef idx="2">
-              <a:schemeClr val="accent1">
-                <a:shade val="50000"/>
-              </a:schemeClr>
-            </a:lnRef>
-            <a:fillRef idx="1">
-              <a:schemeClr val="accent1"/>
-            </a:fillRef>
-            <a:effectRef idx="0">
-              <a:schemeClr val="accent1"/>
-            </a:effectRef>
-            <a:fontRef idx="minor">
-              <a:schemeClr val="lt1"/>
-            </a:fontRef>
-          </p:style>
-          <p:txBody>
-            <a:bodyPr rtlCol="0" anchor="ctr"/>
-            <a:lstStyle/>
-            <a:p>
-              <a:pPr algn="ctr"/>
-              <a:r>
-                <a:rPr lang="en-US" sz="2800" dirty="0" smtClean="0">
-                  <a:solidFill>
-                    <a:schemeClr val="tx1"/>
-                  </a:solidFill>
-                </a:rPr>
-                <a:t>2.8</a:t>
-              </a:r>
-              <a:endParaRPr lang="en-US" sz="2800" dirty="0">
-                <a:solidFill>
-                  <a:schemeClr val="tx1"/>
-                </a:solidFill>
-              </a:endParaRPr>
-            </a:p>
-          </p:txBody>
-        </p:sp>
-        <p:sp>
-          <p:nvSpPr>
-            <p:cNvPr id="35" name="TextBox 34"/>
-            <p:cNvSpPr txBox="1"/>
-            <p:nvPr/>
-          </p:nvSpPr>
-          <p:spPr>
-            <a:xfrm>
-              <a:off x="-8497" y="5786844"/>
-              <a:ext cx="1064715" cy="430887"/>
-            </a:xfrm>
-            <a:prstGeom prst="rect">
-              <a:avLst/>
-            </a:prstGeom>
-            <a:noFill/>
-          </p:spPr>
-          <p:txBody>
-            <a:bodyPr wrap="none" rtlCol="0">
-              <a:spAutoFit/>
-            </a:bodyPr>
-            <a:lstStyle/>
-            <a:p>
-              <a:r>
-                <a:rPr lang="en-US" sz="2200" dirty="0" smtClean="0"/>
-                <a:t>Cousins</a:t>
-              </a:r>
-              <a:endParaRPr lang="en-US" sz="2200" dirty="0"/>
-            </a:p>
-          </p:txBody>
-        </p:sp>
-        <p:sp>
-          <p:nvSpPr>
-            <p:cNvPr id="36" name="TextBox 35"/>
-            <p:cNvSpPr txBox="1"/>
-            <p:nvPr/>
-          </p:nvSpPr>
-          <p:spPr>
-            <a:xfrm>
-              <a:off x="4197166" y="3974958"/>
-              <a:ext cx="1114985" cy="769441"/>
-            </a:xfrm>
-            <a:prstGeom prst="rect">
-              <a:avLst/>
-            </a:prstGeom>
-            <a:noFill/>
-          </p:spPr>
-          <p:txBody>
-            <a:bodyPr wrap="none" rtlCol="0">
-              <a:spAutoFit/>
-            </a:bodyPr>
-            <a:lstStyle/>
-            <a:p>
-              <a:pPr algn="ctr"/>
-              <a:r>
-                <a:rPr lang="en-US" sz="2200" dirty="0" smtClean="0"/>
-                <a:t>Younger</a:t>
-              </a:r>
-            </a:p>
-            <a:p>
-              <a:pPr algn="ctr"/>
-              <a:r>
-                <a:rPr lang="en-US" sz="2200" dirty="0"/>
-                <a:t>a</a:t>
-              </a:r>
-              <a:r>
-                <a:rPr lang="en-US" sz="2200" dirty="0" smtClean="0"/>
-                <a:t>unts</a:t>
-              </a:r>
-              <a:endParaRPr lang="en-US" sz="2200" dirty="0"/>
-            </a:p>
-          </p:txBody>
-        </p:sp>
-        <p:sp>
-          <p:nvSpPr>
-            <p:cNvPr id="37" name="Oval 36"/>
-            <p:cNvSpPr/>
-            <p:nvPr/>
-          </p:nvSpPr>
-          <p:spPr>
-            <a:xfrm>
-              <a:off x="1381282" y="6498701"/>
-              <a:ext cx="1008112" cy="936104"/>
-            </a:xfrm>
-            <a:prstGeom prst="ellipse">
-              <a:avLst/>
-            </a:prstGeom>
-            <a:noFill/>
-            <a:ln>
-              <a:solidFill>
-                <a:schemeClr val="tx1"/>
-              </a:solidFill>
-            </a:ln>
-          </p:spPr>
-          <p:style>
-            <a:lnRef idx="2">
-              <a:schemeClr val="accent1">
-                <a:shade val="50000"/>
-              </a:schemeClr>
-            </a:lnRef>
-            <a:fillRef idx="1">
-              <a:schemeClr val="accent1"/>
-            </a:fillRef>
-            <a:effectRef idx="0">
-              <a:schemeClr val="accent1"/>
-            </a:effectRef>
-            <a:fontRef idx="minor">
-              <a:schemeClr val="lt1"/>
-            </a:fontRef>
-          </p:style>
-          <p:txBody>
-            <a:bodyPr rtlCol="0" anchor="ctr"/>
-            <a:lstStyle/>
-            <a:p>
-              <a:pPr algn="ctr"/>
-              <a:r>
-                <a:rPr lang="en-US" sz="2800" dirty="0" smtClean="0">
-                  <a:solidFill>
-                    <a:schemeClr val="tx1"/>
-                  </a:solidFill>
-                </a:rPr>
-                <a:t>0.1</a:t>
-              </a:r>
-              <a:endParaRPr lang="en-US" sz="2800" dirty="0">
-                <a:solidFill>
-                  <a:schemeClr val="tx1"/>
-                </a:solidFill>
-              </a:endParaRPr>
-            </a:p>
-          </p:txBody>
-        </p:sp>
-        <p:sp>
-          <p:nvSpPr>
-            <p:cNvPr id="39" name="Oval 38"/>
-            <p:cNvSpPr/>
-            <p:nvPr/>
-          </p:nvSpPr>
-          <p:spPr>
-            <a:xfrm>
-              <a:off x="4246796" y="6506924"/>
-              <a:ext cx="1008112" cy="936104"/>
-            </a:xfrm>
-            <a:prstGeom prst="ellipse">
-              <a:avLst/>
-            </a:prstGeom>
-            <a:noFill/>
-            <a:ln>
-              <a:solidFill>
-                <a:schemeClr val="tx1"/>
-              </a:solidFill>
-            </a:ln>
-          </p:spPr>
-          <p:style>
-            <a:lnRef idx="2">
-              <a:schemeClr val="accent1">
-                <a:shade val="50000"/>
-              </a:schemeClr>
-            </a:lnRef>
-            <a:fillRef idx="1">
-              <a:schemeClr val="accent1"/>
-            </a:fillRef>
-            <a:effectRef idx="0">
-              <a:schemeClr val="accent1"/>
-            </a:effectRef>
-            <a:fontRef idx="minor">
-              <a:schemeClr val="lt1"/>
-            </a:fontRef>
-          </p:style>
-          <p:txBody>
-            <a:bodyPr rtlCol="0" anchor="ctr"/>
-            <a:lstStyle/>
-            <a:p>
-              <a:pPr algn="ctr"/>
-              <a:r>
-                <a:rPr lang="en-US" sz="2800" dirty="0" smtClean="0">
-                  <a:solidFill>
-                    <a:schemeClr val="tx1"/>
-                  </a:solidFill>
-                </a:rPr>
-                <a:t>0.1</a:t>
-              </a:r>
-              <a:endParaRPr lang="en-US" sz="2800" dirty="0">
-                <a:solidFill>
-                  <a:schemeClr val="tx1"/>
-                </a:solidFill>
-              </a:endParaRPr>
-            </a:p>
-          </p:txBody>
-        </p:sp>
-        <p:sp>
-          <p:nvSpPr>
-            <p:cNvPr id="40" name="TextBox 39"/>
-            <p:cNvSpPr txBox="1"/>
-            <p:nvPr/>
-          </p:nvSpPr>
-          <p:spPr>
-            <a:xfrm>
-              <a:off x="4257147" y="7443028"/>
-              <a:ext cx="942887" cy="430887"/>
-            </a:xfrm>
-            <a:prstGeom prst="rect">
-              <a:avLst/>
-            </a:prstGeom>
-            <a:noFill/>
-          </p:spPr>
-          <p:txBody>
-            <a:bodyPr wrap="none" rtlCol="0">
-              <a:spAutoFit/>
-            </a:bodyPr>
-            <a:lstStyle/>
-            <a:p>
-              <a:pPr algn="ctr"/>
-              <a:r>
-                <a:rPr lang="en-US" sz="2200" dirty="0" smtClean="0"/>
-                <a:t>Nieces</a:t>
-              </a:r>
-              <a:endParaRPr lang="en-US" sz="2200" dirty="0"/>
-            </a:p>
-          </p:txBody>
-        </p:sp>
-        <p:sp>
-          <p:nvSpPr>
-            <p:cNvPr id="41" name="Oval 40"/>
-            <p:cNvSpPr/>
-            <p:nvPr/>
-          </p:nvSpPr>
-          <p:spPr>
-            <a:xfrm>
-              <a:off x="5699181" y="4845899"/>
-              <a:ext cx="1008112" cy="936104"/>
-            </a:xfrm>
-            <a:prstGeom prst="ellipse">
-              <a:avLst/>
-            </a:prstGeom>
-            <a:noFill/>
-            <a:ln>
-              <a:solidFill>
-                <a:schemeClr val="tx1"/>
+                <a:srgbClr val="FF0000"/>
               </a:solidFill>
             </a:ln>
           </p:spPr>
@@ -6628,8 +5647,8 @@
           </p:nvSpPr>
           <p:spPr>
             <a:xfrm>
-              <a:off x="1394861" y="7489194"/>
-              <a:ext cx="942887" cy="430887"/>
+              <a:off x="1239691" y="7489194"/>
+              <a:ext cx="1253228" cy="430887"/>
             </a:xfrm>
             <a:prstGeom prst="rect">
               <a:avLst/>
@@ -6645,7 +5664,7 @@
               <a:pPr algn="ctr"/>
               <a:r>
                 <a:rPr lang="en-US" sz="2200" dirty="0" smtClean="0"/>
-                <a:t>Nieces</a:t>
+                <a:t>Nephews</a:t>
               </a:r>
               <a:endParaRPr lang="en-US" sz="2200" dirty="0"/>
             </a:p>
@@ -6661,9 +5680,9 @@
             <p:nvPr/>
           </p:nvCxnSpPr>
           <p:spPr>
-            <a:xfrm>
-              <a:off x="3266538" y="2893169"/>
-              <a:ext cx="4198" cy="157371"/>
+            <a:xfrm flipH="1">
+              <a:off x="3270736" y="2893169"/>
+              <a:ext cx="1445" cy="157371"/>
             </a:xfrm>
             <a:prstGeom prst="line">
               <a:avLst/>
@@ -6699,9 +5718,9 @@
             <p:nvPr/>
           </p:nvCxnSpPr>
           <p:spPr>
-            <a:xfrm>
-              <a:off x="3265553" y="4417531"/>
-              <a:ext cx="5183" cy="433209"/>
+            <a:xfrm flipH="1">
+              <a:off x="3270736" y="4417531"/>
+              <a:ext cx="2098" cy="433209"/>
             </a:xfrm>
             <a:prstGeom prst="line">
               <a:avLst/>
@@ -7005,7 +6024,7 @@
           <p:spPr>
             <a:xfrm flipH="1">
               <a:off x="1885338" y="6212890"/>
-              <a:ext cx="3899" cy="285811"/>
+              <a:ext cx="1986" cy="285811"/>
             </a:xfrm>
             <a:prstGeom prst="line">
               <a:avLst/>
@@ -7041,9 +6060,9 @@
             <p:nvPr/>
           </p:nvCxnSpPr>
           <p:spPr>
-            <a:xfrm>
-              <a:off x="4743312" y="6212890"/>
-              <a:ext cx="7540" cy="294034"/>
+            <a:xfrm flipH="1">
+              <a:off x="4750852" y="6212890"/>
+              <a:ext cx="1921" cy="294034"/>
             </a:xfrm>
             <a:prstGeom prst="line">
               <a:avLst/>
@@ -7073,7 +6092,7 @@
     </p:spTree>
     <p:extLst>
       <p:ext uri="{BB962C8B-B14F-4D97-AF65-F5344CB8AC3E}">
-        <p14:creationId xmlns:p14="http://schemas.microsoft.com/office/powerpoint/2010/main" val="3067378438"/>
+        <p14:creationId xmlns:p14="http://schemas.microsoft.com/office/powerpoint/2010/main" val="488364289"/>
       </p:ext>
     </p:extLst>
   </p:cSld>
@@ -7083,7 +6102,7 @@
 </p:sld>
 </file>
 
-<file path=ppt/slides/slide4.xml><?xml version="1.0" encoding="utf-8"?>
+<file path=ppt/slides/slide3.xml><?xml version="1.0" encoding="utf-8"?>
 <p:sld xmlns:a="http://schemas.openxmlformats.org/drawingml/2006/main" xmlns:r="http://schemas.openxmlformats.org/officeDocument/2006/relationships" xmlns:p="http://schemas.openxmlformats.org/presentationml/2006/main">
   <p:cSld>
     <p:spTree>
@@ -7102,54 +6121,226 @@
       </p:grpSpPr>
       <p:grpSp>
         <p:nvGrpSpPr>
-          <p:cNvPr id="13" name="Group 12"/>
+          <p:cNvPr id="4" name="Group 3"/>
           <p:cNvGrpSpPr/>
           <p:nvPr/>
         </p:nvGrpSpPr>
         <p:grpSpPr>
           <a:xfrm>
-            <a:off x="404664" y="3131840"/>
-            <a:ext cx="5832648" cy="2758877"/>
-            <a:chOff x="404664" y="3131840"/>
-            <a:chExt cx="5832648" cy="2758877"/>
+            <a:off x="216023" y="2773561"/>
+            <a:ext cx="6381329" cy="3117156"/>
+            <a:chOff x="216023" y="2773561"/>
+            <a:chExt cx="6381329" cy="3117156"/>
           </a:xfrm>
         </p:grpSpPr>
+        <p:grpSp>
+          <p:nvGrpSpPr>
+            <p:cNvPr id="3" name="Group 2"/>
+            <p:cNvGrpSpPr/>
+            <p:nvPr/>
+          </p:nvGrpSpPr>
+          <p:grpSpPr>
+            <a:xfrm>
+              <a:off x="216023" y="2800269"/>
+              <a:ext cx="5985663" cy="3090448"/>
+              <a:chOff x="216023" y="2800269"/>
+              <a:chExt cx="5985663" cy="3090448"/>
+            </a:xfrm>
+          </p:grpSpPr>
+          <p:grpSp>
+            <p:nvGrpSpPr>
+              <p:cNvPr id="13" name="Group 12"/>
+              <p:cNvGrpSpPr/>
+              <p:nvPr/>
+            </p:nvGrpSpPr>
+            <p:grpSpPr>
+              <a:xfrm>
+                <a:off x="404664" y="3419872"/>
+                <a:ext cx="5797022" cy="2470845"/>
+                <a:chOff x="404664" y="3419872"/>
+                <a:chExt cx="5797022" cy="2470845"/>
+              </a:xfrm>
+            </p:grpSpPr>
+            <p:sp>
+              <p:nvSpPr>
+                <p:cNvPr id="8" name="TextBox 7"/>
+                <p:cNvSpPr txBox="1"/>
+                <p:nvPr/>
+              </p:nvSpPr>
+              <p:spPr>
+                <a:xfrm>
+                  <a:off x="2348880" y="3419872"/>
+                  <a:ext cx="2088232" cy="307777"/>
+                </a:xfrm>
+                <a:prstGeom prst="rect">
+                  <a:avLst/>
+                </a:prstGeom>
+                <a:noFill/>
+              </p:spPr>
+              <p:txBody>
+                <a:bodyPr wrap="square" rtlCol="0">
+                  <a:spAutoFit/>
+                </a:bodyPr>
+                <a:lstStyle/>
+                <a:p>
+                  <a:r>
+                    <a:rPr lang="en-US" sz="1400" dirty="0" smtClean="0"/>
+                    <a:t>Covid-19 excess mortality </a:t>
+                  </a:r>
+                  <a:endParaRPr lang="en-US" sz="1600" dirty="0" smtClean="0"/>
+                </a:p>
+              </p:txBody>
+            </p:sp>
+            <p:cxnSp>
+              <p:nvCxnSpPr>
+                <p:cNvPr id="12" name="Straight Arrow Connector 11"/>
+                <p:cNvCxnSpPr/>
+                <p:nvPr/>
+              </p:nvCxnSpPr>
+              <p:spPr>
+                <a:xfrm>
+                  <a:off x="2708920" y="3779912"/>
+                  <a:ext cx="1337451" cy="0"/>
+                </a:xfrm>
+                <a:prstGeom prst="straightConnector1">
+                  <a:avLst/>
+                </a:prstGeom>
+                <a:ln w="38100">
+                  <a:solidFill>
+                    <a:schemeClr val="tx1"/>
+                  </a:solidFill>
+                  <a:tailEnd type="arrow"/>
+                </a:ln>
+              </p:spPr>
+              <p:style>
+                <a:lnRef idx="1">
+                  <a:schemeClr val="accent1"/>
+                </a:lnRef>
+                <a:fillRef idx="0">
+                  <a:schemeClr val="accent1"/>
+                </a:fillRef>
+                <a:effectRef idx="0">
+                  <a:schemeClr val="accent1"/>
+                </a:effectRef>
+                <a:fontRef idx="minor">
+                  <a:schemeClr val="tx1"/>
+                </a:fontRef>
+              </p:style>
+            </p:cxnSp>
+            <p:sp>
+              <p:nvSpPr>
+                <p:cNvPr id="11" name="TextBox 10"/>
+                <p:cNvSpPr txBox="1"/>
+                <p:nvPr/>
+              </p:nvSpPr>
+              <p:spPr>
+                <a:xfrm>
+                  <a:off x="404664" y="5582940"/>
+                  <a:ext cx="2448273" cy="307777"/>
+                </a:xfrm>
+                <a:prstGeom prst="rect">
+                  <a:avLst/>
+                </a:prstGeom>
+                <a:noFill/>
+              </p:spPr>
+              <p:txBody>
+                <a:bodyPr wrap="square" rtlCol="0">
+                  <a:spAutoFit/>
+                </a:bodyPr>
+                <a:lstStyle/>
+                <a:p>
+                  <a:r>
+                    <a:rPr lang="en-US" sz="1400" dirty="0" smtClean="0"/>
+                    <a:t>Counterfactual (non-Covid-19)</a:t>
+                  </a:r>
+                  <a:endParaRPr lang="en-US" sz="1400" dirty="0"/>
+                </a:p>
+              </p:txBody>
+            </p:sp>
+            <p:sp>
+              <p:nvSpPr>
+                <p:cNvPr id="14" name="TextBox 13"/>
+                <p:cNvSpPr txBox="1"/>
+                <p:nvPr/>
+              </p:nvSpPr>
+              <p:spPr>
+                <a:xfrm>
+                  <a:off x="3753413" y="5582940"/>
+                  <a:ext cx="2448273" cy="307777"/>
+                </a:xfrm>
+                <a:prstGeom prst="rect">
+                  <a:avLst/>
+                </a:prstGeom>
+                <a:noFill/>
+              </p:spPr>
+              <p:txBody>
+                <a:bodyPr wrap="square" rtlCol="0">
+                  <a:spAutoFit/>
+                </a:bodyPr>
+                <a:lstStyle/>
+                <a:p>
+                  <a:r>
+                    <a:rPr lang="en-US" sz="1400" dirty="0" smtClean="0"/>
+                    <a:t>With Covid-19</a:t>
+                  </a:r>
+                  <a:r>
+                    <a:rPr lang="en-US" sz="1400" dirty="0"/>
+                    <a:t> </a:t>
+                  </a:r>
+                  <a:r>
+                    <a:rPr lang="en-US" sz="1400" dirty="0" smtClean="0"/>
+                    <a:t>excess mortality</a:t>
+                  </a:r>
+                  <a:endParaRPr lang="en-US" sz="1400" dirty="0"/>
+                </a:p>
+              </p:txBody>
+            </p:sp>
+          </p:grpSp>
+          <p:pic>
+            <p:nvPicPr>
+              <p:cNvPr id="2" name="Picture 2" descr="C:\Cloud\Projects\ChildSurv\covid proposal\a.png"/>
+              <p:cNvPicPr>
+                <a:picLocks noChangeAspect="1" noChangeArrowheads="1"/>
+              </p:cNvPicPr>
+              <p:nvPr/>
+            </p:nvPicPr>
+            <p:blipFill>
+              <a:blip r:embed="rId2" cstate="print">
+                <a:extLst>
+                  <a:ext uri="{28A0092B-C50C-407E-A947-70E740481C1C}">
+                    <a14:useLocalDpi xmlns:a14="http://schemas.microsoft.com/office/drawing/2010/main" val="0"/>
+                  </a:ext>
+                </a:extLst>
+              </a:blip>
+              <a:srcRect/>
+              <a:stretch>
+                <a:fillRect/>
+              </a:stretch>
+            </p:blipFill>
+            <p:spPr bwMode="auto">
+              <a:xfrm>
+                <a:off x="216023" y="2800269"/>
+                <a:ext cx="2852937" cy="2782671"/>
+              </a:xfrm>
+              <a:prstGeom prst="rect">
+                <a:avLst/>
+              </a:prstGeom>
+              <a:noFill/>
+              <a:extLst>
+                <a:ext uri="{909E8E84-426E-40DD-AFC4-6F175D3DCCD1}">
+                  <a14:hiddenFill xmlns:a14="http://schemas.microsoft.com/office/drawing/2010/main">
+                    <a:solidFill>
+                      <a:srgbClr val="FFFFFF"/>
+                    </a:solidFill>
+                  </a14:hiddenFill>
+                </a:ext>
+              </a:extLst>
+            </p:spPr>
+          </p:pic>
+        </p:grpSp>
         <p:pic>
           <p:nvPicPr>
-            <p:cNvPr id="5" name="Picture 4" descr="C:\Cloud\Projects\ChildSurv\covid proposal\a.png"/>
-            <p:cNvPicPr/>
-            <p:nvPr/>
-          </p:nvPicPr>
-          <p:blipFill>
-            <a:blip r:embed="rId2" cstate="print">
-              <a:extLst>
-                <a:ext uri="{28A0092B-C50C-407E-A947-70E740481C1C}">
-                  <a14:useLocalDpi xmlns:a14="http://schemas.microsoft.com/office/drawing/2010/main" val="0"/>
-                </a:ext>
-              </a:extLst>
-            </a:blip>
-            <a:srcRect/>
-            <a:stretch>
-              <a:fillRect/>
-            </a:stretch>
-          </p:blipFill>
-          <p:spPr bwMode="auto">
-            <a:xfrm>
-              <a:off x="476672" y="3131840"/>
-              <a:ext cx="2514600" cy="2451100"/>
-            </a:xfrm>
-            <a:prstGeom prst="rect">
-              <a:avLst/>
-            </a:prstGeom>
-            <a:noFill/>
-            <a:ln>
-              <a:noFill/>
-            </a:ln>
-          </p:spPr>
-        </p:pic>
-        <p:pic>
-          <p:nvPicPr>
-            <p:cNvPr id="1026" name="Picture 2" descr="C:\Cloud\Projects\ChildSurv\covid proposal\b.png"/>
+            <p:cNvPr id="1028" name="Picture 4" descr="C:\Cloud\Projects\ChildSurv\covid proposal\b.png"/>
             <p:cNvPicPr>
               <a:picLocks noChangeAspect="1" noChangeArrowheads="1"/>
             </p:cNvPicPr>
@@ -7170,8 +6361,8 @@
           </p:blipFill>
           <p:spPr bwMode="auto">
             <a:xfrm>
-              <a:off x="3753413" y="3131840"/>
-              <a:ext cx="2483899" cy="2422722"/>
+              <a:off x="3717032" y="2773561"/>
+              <a:ext cx="2880320" cy="2809379"/>
             </a:xfrm>
             <a:prstGeom prst="rect">
               <a:avLst/>
@@ -7188,140 +6379,6 @@
             </a:extLst>
           </p:spPr>
         </p:pic>
-        <p:sp>
-          <p:nvSpPr>
-            <p:cNvPr id="8" name="TextBox 7"/>
-            <p:cNvSpPr txBox="1"/>
-            <p:nvPr/>
-          </p:nvSpPr>
-          <p:spPr>
-            <a:xfrm>
-              <a:off x="2348880" y="3419872"/>
-              <a:ext cx="2088232" cy="307777"/>
-            </a:xfrm>
-            <a:prstGeom prst="rect">
-              <a:avLst/>
-            </a:prstGeom>
-            <a:noFill/>
-          </p:spPr>
-          <p:txBody>
-            <a:bodyPr wrap="square" rtlCol="0">
-              <a:spAutoFit/>
-            </a:bodyPr>
-            <a:lstStyle/>
-            <a:p>
-              <a:r>
-                <a:rPr lang="en-US" sz="1400" dirty="0" smtClean="0"/>
-                <a:t>Covid-19 excess mortality </a:t>
-              </a:r>
-              <a:endParaRPr lang="en-US" sz="1600" dirty="0" smtClean="0"/>
-            </a:p>
-          </p:txBody>
-        </p:sp>
-        <p:cxnSp>
-          <p:nvCxnSpPr>
-            <p:cNvPr id="12" name="Straight Arrow Connector 11"/>
-            <p:cNvCxnSpPr/>
-            <p:nvPr/>
-          </p:nvCxnSpPr>
-          <p:spPr>
-            <a:xfrm>
-              <a:off x="2708920" y="3779912"/>
-              <a:ext cx="1337451" cy="0"/>
-            </a:xfrm>
-            <a:prstGeom prst="straightConnector1">
-              <a:avLst/>
-            </a:prstGeom>
-            <a:ln w="38100">
-              <a:solidFill>
-                <a:schemeClr val="tx1"/>
-              </a:solidFill>
-              <a:tailEnd type="arrow"/>
-            </a:ln>
-          </p:spPr>
-          <p:style>
-            <a:lnRef idx="1">
-              <a:schemeClr val="accent1"/>
-            </a:lnRef>
-            <a:fillRef idx="0">
-              <a:schemeClr val="accent1"/>
-            </a:fillRef>
-            <a:effectRef idx="0">
-              <a:schemeClr val="accent1"/>
-            </a:effectRef>
-            <a:fontRef idx="minor">
-              <a:schemeClr val="tx1"/>
-            </a:fontRef>
-          </p:style>
-        </p:cxnSp>
-        <p:sp>
-          <p:nvSpPr>
-            <p:cNvPr id="11" name="TextBox 10"/>
-            <p:cNvSpPr txBox="1"/>
-            <p:nvPr/>
-          </p:nvSpPr>
-          <p:spPr>
-            <a:xfrm>
-              <a:off x="404664" y="5582940"/>
-              <a:ext cx="2448273" cy="307777"/>
-            </a:xfrm>
-            <a:prstGeom prst="rect">
-              <a:avLst/>
-            </a:prstGeom>
-            <a:noFill/>
-          </p:spPr>
-          <p:txBody>
-            <a:bodyPr wrap="square" rtlCol="0">
-              <a:spAutoFit/>
-            </a:bodyPr>
-            <a:lstStyle/>
-            <a:p>
-              <a:r>
-                <a:rPr lang="en-US" sz="1400" dirty="0" smtClean="0"/>
-                <a:t>Counterfactual (non-Covid-19)</a:t>
-              </a:r>
-              <a:endParaRPr lang="en-US" sz="1400" dirty="0"/>
-            </a:p>
-          </p:txBody>
-        </p:sp>
-        <p:sp>
-          <p:nvSpPr>
-            <p:cNvPr id="14" name="TextBox 13"/>
-            <p:cNvSpPr txBox="1"/>
-            <p:nvPr/>
-          </p:nvSpPr>
-          <p:spPr>
-            <a:xfrm>
-              <a:off x="3753413" y="5582940"/>
-              <a:ext cx="2448273" cy="307777"/>
-            </a:xfrm>
-            <a:prstGeom prst="rect">
-              <a:avLst/>
-            </a:prstGeom>
-            <a:noFill/>
-          </p:spPr>
-          <p:txBody>
-            <a:bodyPr wrap="square" rtlCol="0">
-              <a:spAutoFit/>
-            </a:bodyPr>
-            <a:lstStyle/>
-            <a:p>
-              <a:r>
-                <a:rPr lang="en-US" sz="1400" dirty="0" smtClean="0"/>
-                <a:t>With Covid-19</a:t>
-              </a:r>
-              <a:r>
-                <a:rPr lang="en-US" sz="1400" dirty="0"/>
-                <a:t> </a:t>
-              </a:r>
-              <a:r>
-                <a:rPr lang="en-US" sz="1400" dirty="0" smtClean="0"/>
-                <a:t>excess mortality</a:t>
-              </a:r>
-              <a:endParaRPr lang="en-US" sz="1400" dirty="0"/>
-            </a:p>
-          </p:txBody>
-        </p:sp>
       </p:grpSp>
     </p:spTree>
     <p:extLst>
